--- a/Images/이미지 그리기용 ppt.pptx
+++ b/Images/이미지 그리기용 ppt.pptx
@@ -5,8 +5,10 @@
     <p:sldMasterId id="2147483648" r:id="rId1"/>
   </p:sldMasterIdLst>
   <p:sldIdLst>
-    <p:sldId id="257" r:id="rId2"/>
-    <p:sldId id="256" r:id="rId3"/>
+    <p:sldId id="258" r:id="rId2"/>
+    <p:sldId id="257" r:id="rId3"/>
+    <p:sldId id="256" r:id="rId4"/>
+    <p:sldId id="259" r:id="rId5"/>
   </p:sldIdLst>
   <p:sldSz cx="12192000" cy="6858000"/>
   <p:notesSz cx="6858000" cy="9144000"/>
@@ -105,6 +107,11 @@
       </a:defRPr>
     </a:lvl9pPr>
   </p:defaultTextStyle>
+  <p:extLst>
+    <p:ext uri="{EFAFB233-063F-42B5-8137-9DF3F51BA10A}">
+      <p15:sldGuideLst xmlns:p15="http://schemas.microsoft.com/office/powerpoint/2012/main"/>
+    </p:ext>
+  </p:extLst>
 </p:presentation>
 </file>
 
@@ -255,7 +262,7 @@
           <a:p>
             <a:fld id="{C2AAE035-6641-49E1-8739-E9923BB05744}" type="datetimeFigureOut">
               <a:rPr lang="ko-KR" altLang="en-US" smtClean="0"/>
-              <a:t>2020-12-19</a:t>
+              <a:t>2020-12-20</a:t>
             </a:fld>
             <a:endParaRPr lang="ko-KR" altLang="en-US"/>
           </a:p>
@@ -453,7 +460,7 @@
           <a:p>
             <a:fld id="{C2AAE035-6641-49E1-8739-E9923BB05744}" type="datetimeFigureOut">
               <a:rPr lang="ko-KR" altLang="en-US" smtClean="0"/>
-              <a:t>2020-12-19</a:t>
+              <a:t>2020-12-20</a:t>
             </a:fld>
             <a:endParaRPr lang="ko-KR" altLang="en-US"/>
           </a:p>
@@ -661,7 +668,7 @@
           <a:p>
             <a:fld id="{C2AAE035-6641-49E1-8739-E9923BB05744}" type="datetimeFigureOut">
               <a:rPr lang="ko-KR" altLang="en-US" smtClean="0"/>
-              <a:t>2020-12-19</a:t>
+              <a:t>2020-12-20</a:t>
             </a:fld>
             <a:endParaRPr lang="ko-KR" altLang="en-US"/>
           </a:p>
@@ -859,7 +866,7 @@
           <a:p>
             <a:fld id="{C2AAE035-6641-49E1-8739-E9923BB05744}" type="datetimeFigureOut">
               <a:rPr lang="ko-KR" altLang="en-US" smtClean="0"/>
-              <a:t>2020-12-19</a:t>
+              <a:t>2020-12-20</a:t>
             </a:fld>
             <a:endParaRPr lang="ko-KR" altLang="en-US"/>
           </a:p>
@@ -1134,7 +1141,7 @@
           <a:p>
             <a:fld id="{C2AAE035-6641-49E1-8739-E9923BB05744}" type="datetimeFigureOut">
               <a:rPr lang="ko-KR" altLang="en-US" smtClean="0"/>
-              <a:t>2020-12-19</a:t>
+              <a:t>2020-12-20</a:t>
             </a:fld>
             <a:endParaRPr lang="ko-KR" altLang="en-US"/>
           </a:p>
@@ -1399,7 +1406,7 @@
           <a:p>
             <a:fld id="{C2AAE035-6641-49E1-8739-E9923BB05744}" type="datetimeFigureOut">
               <a:rPr lang="ko-KR" altLang="en-US" smtClean="0"/>
-              <a:t>2020-12-19</a:t>
+              <a:t>2020-12-20</a:t>
             </a:fld>
             <a:endParaRPr lang="ko-KR" altLang="en-US"/>
           </a:p>
@@ -1811,7 +1818,7 @@
           <a:p>
             <a:fld id="{C2AAE035-6641-49E1-8739-E9923BB05744}" type="datetimeFigureOut">
               <a:rPr lang="ko-KR" altLang="en-US" smtClean="0"/>
-              <a:t>2020-12-19</a:t>
+              <a:t>2020-12-20</a:t>
             </a:fld>
             <a:endParaRPr lang="ko-KR" altLang="en-US"/>
           </a:p>
@@ -1952,7 +1959,7 @@
           <a:p>
             <a:fld id="{C2AAE035-6641-49E1-8739-E9923BB05744}" type="datetimeFigureOut">
               <a:rPr lang="ko-KR" altLang="en-US" smtClean="0"/>
-              <a:t>2020-12-19</a:t>
+              <a:t>2020-12-20</a:t>
             </a:fld>
             <a:endParaRPr lang="ko-KR" altLang="en-US"/>
           </a:p>
@@ -2065,7 +2072,7 @@
           <a:p>
             <a:fld id="{C2AAE035-6641-49E1-8739-E9923BB05744}" type="datetimeFigureOut">
               <a:rPr lang="ko-KR" altLang="en-US" smtClean="0"/>
-              <a:t>2020-12-19</a:t>
+              <a:t>2020-12-20</a:t>
             </a:fld>
             <a:endParaRPr lang="ko-KR" altLang="en-US"/>
           </a:p>
@@ -2376,7 +2383,7 @@
           <a:p>
             <a:fld id="{C2AAE035-6641-49E1-8739-E9923BB05744}" type="datetimeFigureOut">
               <a:rPr lang="ko-KR" altLang="en-US" smtClean="0"/>
-              <a:t>2020-12-19</a:t>
+              <a:t>2020-12-20</a:t>
             </a:fld>
             <a:endParaRPr lang="ko-KR" altLang="en-US"/>
           </a:p>
@@ -2664,7 +2671,7 @@
           <a:p>
             <a:fld id="{C2AAE035-6641-49E1-8739-E9923BB05744}" type="datetimeFigureOut">
               <a:rPr lang="ko-KR" altLang="en-US" smtClean="0"/>
-              <a:t>2020-12-19</a:t>
+              <a:t>2020-12-20</a:t>
             </a:fld>
             <a:endParaRPr lang="ko-KR" altLang="en-US"/>
           </a:p>
@@ -2905,7 +2912,7 @@
           <a:p>
             <a:fld id="{C2AAE035-6641-49E1-8739-E9923BB05744}" type="datetimeFigureOut">
               <a:rPr lang="ko-KR" altLang="en-US" smtClean="0"/>
-              <a:t>2020-12-19</a:t>
+              <a:t>2020-12-20</a:t>
             </a:fld>
             <a:endParaRPr lang="ko-KR" altLang="en-US"/>
           </a:p>
@@ -3322,6 +3329,467 @@
           <a:chExt cx="0" cy="0"/>
         </a:xfrm>
       </p:grpSpPr>
+      <p:graphicFrame>
+        <p:nvGraphicFramePr>
+          <p:cNvPr id="7" name="표 7">
+            <a:extLst>
+              <a:ext uri="{FF2B5EF4-FFF2-40B4-BE49-F238E27FC236}">
+                <a16:creationId xmlns:a16="http://schemas.microsoft.com/office/drawing/2014/main" id="{0696D7F7-B173-4894-AC97-58052E288526}"/>
+              </a:ext>
+            </a:extLst>
+          </p:cNvPr>
+          <p:cNvGraphicFramePr>
+            <a:graphicFrameLocks noGrp="1"/>
+          </p:cNvGraphicFramePr>
+          <p:nvPr>
+            <p:extLst>
+              <p:ext uri="{D42A27DB-BD31-4B8C-83A1-F6EECF244321}">
+                <p14:modId xmlns:p14="http://schemas.microsoft.com/office/powerpoint/2010/main" val="2273896528"/>
+              </p:ext>
+            </p:extLst>
+          </p:nvPr>
+        </p:nvGraphicFramePr>
+        <p:xfrm>
+          <a:off x="1343472" y="3140968"/>
+          <a:ext cx="3528392" cy="1656184"/>
+        </p:xfrm>
+        <a:graphic>
+          <a:graphicData uri="http://schemas.openxmlformats.org/drawingml/2006/table">
+            <a:tbl>
+              <a:tblPr firstRow="1" bandRow="1">
+                <a:effectLst>
+                  <a:outerShdw blurRad="50800" dist="38100" dir="2700000" algn="tl" rotWithShape="0">
+                    <a:prstClr val="black">
+                      <a:alpha val="40000"/>
+                    </a:prstClr>
+                  </a:outerShdw>
+                </a:effectLst>
+                <a:tableStyleId>{F5AB1C69-6EDB-4FF4-983F-18BD219EF322}</a:tableStyleId>
+              </a:tblPr>
+              <a:tblGrid>
+                <a:gridCol w="3528392">
+                  <a:extLst>
+                    <a:ext uri="{9D8B030D-6E8A-4147-A177-3AD203B41FA5}">
+                      <a16:colId xmlns:a16="http://schemas.microsoft.com/office/drawing/2014/main" val="3811916345"/>
+                    </a:ext>
+                  </a:extLst>
+                </a:gridCol>
+              </a:tblGrid>
+              <a:tr h="657547">
+                <a:tc>
+                  <a:txBody>
+                    <a:bodyPr/>
+                    <a:lstStyle/>
+                    <a:p>
+                      <a:pPr algn="ctr" latinLnBrk="1"/>
+                      <a:r>
+                        <a:rPr lang="en-US" altLang="ko-KR" dirty="0">
+                          <a:solidFill>
+                            <a:schemeClr val="tx1"/>
+                          </a:solidFill>
+                        </a:rPr>
+                        <a:t>&lt;&lt;</a:t>
+                      </a:r>
+                      <a:r>
+                        <a:rPr lang="ko-KR" altLang="en-US" dirty="0">
+                          <a:solidFill>
+                            <a:schemeClr val="tx1"/>
+                          </a:solidFill>
+                        </a:rPr>
+                        <a:t>추상 여부</a:t>
+                      </a:r>
+                      <a:r>
+                        <a:rPr lang="en-US" altLang="ko-KR" dirty="0">
+                          <a:solidFill>
+                            <a:schemeClr val="tx1"/>
+                          </a:solidFill>
+                        </a:rPr>
+                        <a:t>&gt;&gt;</a:t>
+                      </a:r>
+                    </a:p>
+                    <a:p>
+                      <a:pPr algn="ctr" latinLnBrk="1"/>
+                      <a:r>
+                        <a:rPr lang="ko-KR" altLang="en-US" dirty="0">
+                          <a:solidFill>
+                            <a:schemeClr val="tx1"/>
+                          </a:solidFill>
+                        </a:rPr>
+                        <a:t>역할 명</a:t>
+                      </a:r>
+                    </a:p>
+                  </a:txBody>
+                  <a:tcPr anchor="ctr">
+                    <a:lnL w="12700" cap="flat" cmpd="sng" algn="ctr">
+                      <a:solidFill>
+                        <a:schemeClr val="tx1"/>
+                      </a:solidFill>
+                      <a:prstDash val="solid"/>
+                      <a:round/>
+                      <a:headEnd type="none" w="med" len="med"/>
+                      <a:tailEnd type="none" w="med" len="med"/>
+                    </a:lnL>
+                    <a:lnR w="12700" cap="flat" cmpd="sng" algn="ctr">
+                      <a:solidFill>
+                        <a:schemeClr val="tx1"/>
+                      </a:solidFill>
+                      <a:prstDash val="solid"/>
+                      <a:round/>
+                      <a:headEnd type="none" w="med" len="med"/>
+                      <a:tailEnd type="none" w="med" len="med"/>
+                    </a:lnR>
+                    <a:lnT w="12700" cap="flat" cmpd="sng" algn="ctr">
+                      <a:solidFill>
+                        <a:schemeClr val="tx1"/>
+                      </a:solidFill>
+                      <a:prstDash val="solid"/>
+                      <a:round/>
+                      <a:headEnd type="none" w="med" len="med"/>
+                      <a:tailEnd type="none" w="med" len="med"/>
+                    </a:lnT>
+                    <a:lnB w="12700" cap="flat" cmpd="sng" algn="ctr">
+                      <a:solidFill>
+                        <a:schemeClr val="tx1"/>
+                      </a:solidFill>
+                      <a:prstDash val="solid"/>
+                      <a:round/>
+                      <a:headEnd type="none" w="med" len="med"/>
+                      <a:tailEnd type="none" w="med" len="med"/>
+                    </a:lnB>
+                    <a:solidFill>
+                      <a:schemeClr val="bg1"/>
+                    </a:solidFill>
+                  </a:tcPr>
+                </a:tc>
+                <a:extLst>
+                  <a:ext uri="{0D108BD9-81ED-4DB2-BD59-A6C34878D82A}">
+                    <a16:rowId xmlns:a16="http://schemas.microsoft.com/office/drawing/2014/main" val="4033184119"/>
+                  </a:ext>
+                </a:extLst>
+              </a:tr>
+              <a:tr h="998637">
+                <a:tc>
+                  <a:txBody>
+                    <a:bodyPr/>
+                    <a:lstStyle/>
+                    <a:p>
+                      <a:pPr algn="ctr" latinLnBrk="1"/>
+                      <a:r>
+                        <a:rPr lang="ko-KR" altLang="en-US" dirty="0"/>
+                        <a:t>메소드 명</a:t>
+                      </a:r>
+                    </a:p>
+                  </a:txBody>
+                  <a:tcPr anchor="ctr">
+                    <a:lnL w="12700" cap="flat" cmpd="sng" algn="ctr">
+                      <a:solidFill>
+                        <a:schemeClr val="tx1"/>
+                      </a:solidFill>
+                      <a:prstDash val="solid"/>
+                      <a:round/>
+                      <a:headEnd type="none" w="med" len="med"/>
+                      <a:tailEnd type="none" w="med" len="med"/>
+                    </a:lnL>
+                    <a:lnR w="12700" cap="flat" cmpd="sng" algn="ctr">
+                      <a:solidFill>
+                        <a:schemeClr val="tx1"/>
+                      </a:solidFill>
+                      <a:prstDash val="solid"/>
+                      <a:round/>
+                      <a:headEnd type="none" w="med" len="med"/>
+                      <a:tailEnd type="none" w="med" len="med"/>
+                    </a:lnR>
+                    <a:lnT w="12700" cap="flat" cmpd="sng" algn="ctr">
+                      <a:solidFill>
+                        <a:schemeClr val="tx1"/>
+                      </a:solidFill>
+                      <a:prstDash val="solid"/>
+                      <a:round/>
+                      <a:headEnd type="none" w="med" len="med"/>
+                      <a:tailEnd type="none" w="med" len="med"/>
+                    </a:lnT>
+                    <a:lnB w="12700" cap="flat" cmpd="sng" algn="ctr">
+                      <a:solidFill>
+                        <a:schemeClr val="tx1"/>
+                      </a:solidFill>
+                      <a:prstDash val="solid"/>
+                      <a:round/>
+                      <a:headEnd type="none" w="med" len="med"/>
+                      <a:tailEnd type="none" w="med" len="med"/>
+                    </a:lnB>
+                    <a:solidFill>
+                      <a:schemeClr val="bg1"/>
+                    </a:solidFill>
+                  </a:tcPr>
+                </a:tc>
+                <a:extLst>
+                  <a:ext uri="{0D108BD9-81ED-4DB2-BD59-A6C34878D82A}">
+                    <a16:rowId xmlns:a16="http://schemas.microsoft.com/office/drawing/2014/main" val="602478295"/>
+                  </a:ext>
+                </a:extLst>
+              </a:tr>
+            </a:tbl>
+          </a:graphicData>
+        </a:graphic>
+      </p:graphicFrame>
+      <p:sp>
+        <p:nvSpPr>
+          <p:cNvPr id="8" name="TextBox 7">
+            <a:extLst>
+              <a:ext uri="{FF2B5EF4-FFF2-40B4-BE49-F238E27FC236}">
+                <a16:creationId xmlns:a16="http://schemas.microsoft.com/office/drawing/2014/main" id="{E1EBC2DE-DB1D-4982-9DC2-400B6108CB1C}"/>
+              </a:ext>
+            </a:extLst>
+          </p:cNvPr>
+          <p:cNvSpPr txBox="1"/>
+          <p:nvPr/>
+        </p:nvSpPr>
+        <p:spPr>
+          <a:xfrm>
+            <a:off x="2604966" y="2556193"/>
+            <a:ext cx="1005403" cy="584775"/>
+          </a:xfrm>
+          <a:prstGeom prst="rect">
+            <a:avLst/>
+          </a:prstGeom>
+          <a:noFill/>
+        </p:spPr>
+        <p:txBody>
+          <a:bodyPr wrap="none" rtlCol="0">
+            <a:spAutoFit/>
+          </a:bodyPr>
+          <a:lstStyle/>
+          <a:p>
+            <a:pPr algn="ctr"/>
+            <a:r>
+              <a:rPr lang="ko-KR" altLang="en-US" sz="3200" b="1" dirty="0">
+                <a:solidFill>
+                  <a:srgbClr val="C00000"/>
+                </a:solidFill>
+              </a:rPr>
+              <a:t>설명</a:t>
+            </a:r>
+          </a:p>
+        </p:txBody>
+      </p:sp>
+      <p:cxnSp>
+        <p:nvCxnSpPr>
+          <p:cNvPr id="10" name="직선 화살표 연결선 9">
+            <a:extLst>
+              <a:ext uri="{FF2B5EF4-FFF2-40B4-BE49-F238E27FC236}">
+                <a16:creationId xmlns:a16="http://schemas.microsoft.com/office/drawing/2014/main" id="{9E4B5144-8E34-4E9A-93C3-D8336E073990}"/>
+              </a:ext>
+            </a:extLst>
+          </p:cNvPr>
+          <p:cNvCxnSpPr/>
+          <p:nvPr/>
+        </p:nvCxnSpPr>
+        <p:spPr>
+          <a:xfrm>
+            <a:off x="6528048" y="3284984"/>
+            <a:ext cx="2736304" cy="0"/>
+          </a:xfrm>
+          <a:prstGeom prst="straightConnector1">
+            <a:avLst/>
+          </a:prstGeom>
+          <a:ln w="38100">
+            <a:headEnd type="diamond" w="lg" len="lg"/>
+            <a:tailEnd type="arrow" w="lg" len="lg"/>
+          </a:ln>
+        </p:spPr>
+        <p:style>
+          <a:lnRef idx="1">
+            <a:schemeClr val="accent1"/>
+          </a:lnRef>
+          <a:fillRef idx="0">
+            <a:schemeClr val="accent1"/>
+          </a:fillRef>
+          <a:effectRef idx="0">
+            <a:schemeClr val="accent1"/>
+          </a:effectRef>
+          <a:fontRef idx="minor">
+            <a:schemeClr val="tx1"/>
+          </a:fontRef>
+        </p:style>
+      </p:cxnSp>
+      <p:cxnSp>
+        <p:nvCxnSpPr>
+          <p:cNvPr id="11" name="직선 화살표 연결선 10">
+            <a:extLst>
+              <a:ext uri="{FF2B5EF4-FFF2-40B4-BE49-F238E27FC236}">
+                <a16:creationId xmlns:a16="http://schemas.microsoft.com/office/drawing/2014/main" id="{7A740FCB-C8D2-4538-A3C1-24ADA4DF196F}"/>
+              </a:ext>
+            </a:extLst>
+          </p:cNvPr>
+          <p:cNvCxnSpPr/>
+          <p:nvPr/>
+        </p:nvCxnSpPr>
+        <p:spPr>
+          <a:xfrm>
+            <a:off x="6528048" y="4797152"/>
+            <a:ext cx="2736304" cy="0"/>
+          </a:xfrm>
+          <a:prstGeom prst="straightConnector1">
+            <a:avLst/>
+          </a:prstGeom>
+          <a:ln w="38100">
+            <a:prstDash val="dash"/>
+            <a:tailEnd type="triangle" w="lg" len="lg"/>
+          </a:ln>
+        </p:spPr>
+        <p:style>
+          <a:lnRef idx="1">
+            <a:schemeClr val="accent1"/>
+          </a:lnRef>
+          <a:fillRef idx="0">
+            <a:schemeClr val="accent1"/>
+          </a:fillRef>
+          <a:effectRef idx="0">
+            <a:schemeClr val="accent1"/>
+          </a:effectRef>
+          <a:fontRef idx="minor">
+            <a:schemeClr val="tx1"/>
+          </a:fontRef>
+        </p:style>
+      </p:cxnSp>
+      <p:sp>
+        <p:nvSpPr>
+          <p:cNvPr id="12" name="TextBox 11">
+            <a:extLst>
+              <a:ext uri="{FF2B5EF4-FFF2-40B4-BE49-F238E27FC236}">
+                <a16:creationId xmlns:a16="http://schemas.microsoft.com/office/drawing/2014/main" id="{E4C8E32B-15F4-46F4-ABED-D84488E9A816}"/>
+              </a:ext>
+            </a:extLst>
+          </p:cNvPr>
+          <p:cNvSpPr txBox="1"/>
+          <p:nvPr/>
+        </p:nvSpPr>
+        <p:spPr>
+          <a:xfrm>
+            <a:off x="5311170" y="0"/>
+            <a:ext cx="1569660" cy="646331"/>
+          </a:xfrm>
+          <a:prstGeom prst="rect">
+            <a:avLst/>
+          </a:prstGeom>
+          <a:noFill/>
+        </p:spPr>
+        <p:txBody>
+          <a:bodyPr wrap="none" rtlCol="0">
+            <a:spAutoFit/>
+          </a:bodyPr>
+          <a:lstStyle/>
+          <a:p>
+            <a:pPr algn="ctr"/>
+            <a:r>
+              <a:rPr lang="ko-KR" altLang="en-US" sz="3600" b="1" dirty="0"/>
+              <a:t>템플릿</a:t>
+            </a:r>
+          </a:p>
+        </p:txBody>
+      </p:sp>
+      <p:sp>
+        <p:nvSpPr>
+          <p:cNvPr id="13" name="TextBox 12">
+            <a:extLst>
+              <a:ext uri="{FF2B5EF4-FFF2-40B4-BE49-F238E27FC236}">
+                <a16:creationId xmlns:a16="http://schemas.microsoft.com/office/drawing/2014/main" id="{D8592F4B-BD9E-44A7-91CE-BD070117D450}"/>
+              </a:ext>
+            </a:extLst>
+          </p:cNvPr>
+          <p:cNvSpPr txBox="1"/>
+          <p:nvPr/>
+        </p:nvSpPr>
+        <p:spPr>
+          <a:xfrm>
+            <a:off x="7464152" y="2556193"/>
+            <a:ext cx="646331" cy="369332"/>
+          </a:xfrm>
+          <a:prstGeom prst="rect">
+            <a:avLst/>
+          </a:prstGeom>
+          <a:noFill/>
+        </p:spPr>
+        <p:txBody>
+          <a:bodyPr wrap="none" rtlCol="0">
+            <a:spAutoFit/>
+          </a:bodyPr>
+          <a:lstStyle/>
+          <a:p>
+            <a:pPr algn="ctr"/>
+            <a:r>
+              <a:rPr lang="ko-KR" altLang="en-US"/>
+              <a:t>의존</a:t>
+            </a:r>
+          </a:p>
+        </p:txBody>
+      </p:sp>
+      <p:sp>
+        <p:nvSpPr>
+          <p:cNvPr id="14" name="TextBox 13">
+            <a:extLst>
+              <a:ext uri="{FF2B5EF4-FFF2-40B4-BE49-F238E27FC236}">
+                <a16:creationId xmlns:a16="http://schemas.microsoft.com/office/drawing/2014/main" id="{C7EAC3A8-AB4F-414B-8CA3-1A0EA5E6EECA}"/>
+              </a:ext>
+            </a:extLst>
+          </p:cNvPr>
+          <p:cNvSpPr txBox="1"/>
+          <p:nvPr/>
+        </p:nvSpPr>
+        <p:spPr>
+          <a:xfrm>
+            <a:off x="7464152" y="4149080"/>
+            <a:ext cx="646331" cy="369332"/>
+          </a:xfrm>
+          <a:prstGeom prst="rect">
+            <a:avLst/>
+          </a:prstGeom>
+          <a:noFill/>
+        </p:spPr>
+        <p:txBody>
+          <a:bodyPr wrap="none" rtlCol="0">
+            <a:spAutoFit/>
+          </a:bodyPr>
+          <a:lstStyle/>
+          <a:p>
+            <a:pPr algn="ctr"/>
+            <a:r>
+              <a:rPr lang="ko-KR" altLang="en-US" dirty="0"/>
+              <a:t>상속</a:t>
+            </a:r>
+          </a:p>
+        </p:txBody>
+      </p:sp>
+    </p:spTree>
+    <p:extLst>
+      <p:ext uri="{BB962C8B-B14F-4D97-AF65-F5344CB8AC3E}">
+        <p14:creationId xmlns:p14="http://schemas.microsoft.com/office/powerpoint/2010/main" val="1232165296"/>
+      </p:ext>
+    </p:extLst>
+  </p:cSld>
+  <p:clrMapOvr>
+    <a:masterClrMapping/>
+  </p:clrMapOvr>
+</p:sld>
+</file>
+
+<file path=ppt/slides/slide2.xml><?xml version="1.0" encoding="utf-8"?>
+<p:sld xmlns:a="http://schemas.openxmlformats.org/drawingml/2006/main" xmlns:r="http://schemas.openxmlformats.org/officeDocument/2006/relationships" xmlns:p="http://schemas.openxmlformats.org/presentationml/2006/main">
+  <p:cSld>
+    <p:spTree>
+      <p:nvGrpSpPr>
+        <p:cNvPr id="1" name=""/>
+        <p:cNvGrpSpPr/>
+        <p:nvPr/>
+      </p:nvGrpSpPr>
+      <p:grpSpPr>
+        <a:xfrm>
+          <a:off x="0" y="0"/>
+          <a:ext cx="0" cy="0"/>
+          <a:chOff x="0" y="0"/>
+          <a:chExt cx="0" cy="0"/>
+        </a:xfrm>
+      </p:grpSpPr>
       <p:sp>
         <p:nvSpPr>
           <p:cNvPr id="4" name="사각형: 둥근 모서리 3">
@@ -3740,7 +4208,7 @@
 </p:sld>
 </file>
 
-<file path=ppt/slides/slide2.xml><?xml version="1.0" encoding="utf-8"?>
+<file path=ppt/slides/slide3.xml><?xml version="1.0" encoding="utf-8"?>
 <p:sld xmlns:a="http://schemas.openxmlformats.org/drawingml/2006/main" xmlns:r="http://schemas.openxmlformats.org/officeDocument/2006/relationships" xmlns:p="http://schemas.openxmlformats.org/presentationml/2006/main">
   <p:cSld>
     <p:spTree>
@@ -4303,6 +4771,1222 @@
     <p:extLst>
       <p:ext uri="{BB962C8B-B14F-4D97-AF65-F5344CB8AC3E}">
         <p14:creationId xmlns:p14="http://schemas.microsoft.com/office/powerpoint/2010/main" val="946222848"/>
+      </p:ext>
+    </p:extLst>
+  </p:cSld>
+  <p:clrMapOvr>
+    <a:masterClrMapping/>
+  </p:clrMapOvr>
+</p:sld>
+</file>
+
+<file path=ppt/slides/slide4.xml><?xml version="1.0" encoding="utf-8"?>
+<p:sld xmlns:a="http://schemas.openxmlformats.org/drawingml/2006/main" xmlns:r="http://schemas.openxmlformats.org/officeDocument/2006/relationships" xmlns:p="http://schemas.openxmlformats.org/presentationml/2006/main">
+  <p:cSld>
+    <p:spTree>
+      <p:nvGrpSpPr>
+        <p:cNvPr id="1" name=""/>
+        <p:cNvGrpSpPr/>
+        <p:nvPr/>
+      </p:nvGrpSpPr>
+      <p:grpSpPr>
+        <a:xfrm>
+          <a:off x="0" y="0"/>
+          <a:ext cx="0" cy="0"/>
+          <a:chOff x="0" y="0"/>
+          <a:chExt cx="0" cy="0"/>
+        </a:xfrm>
+      </p:grpSpPr>
+      <p:graphicFrame>
+        <p:nvGraphicFramePr>
+          <p:cNvPr id="7" name="표 7">
+            <a:extLst>
+              <a:ext uri="{FF2B5EF4-FFF2-40B4-BE49-F238E27FC236}">
+                <a16:creationId xmlns:a16="http://schemas.microsoft.com/office/drawing/2014/main" id="{FB581C6E-B81A-492F-9254-F73AEBB5C2F6}"/>
+              </a:ext>
+            </a:extLst>
+          </p:cNvPr>
+          <p:cNvGraphicFramePr>
+            <a:graphicFrameLocks noGrp="1"/>
+          </p:cNvGraphicFramePr>
+          <p:nvPr>
+            <p:extLst>
+              <p:ext uri="{D42A27DB-BD31-4B8C-83A1-F6EECF244321}">
+                <p14:modId xmlns:p14="http://schemas.microsoft.com/office/powerpoint/2010/main" val="3142564079"/>
+              </p:ext>
+            </p:extLst>
+          </p:nvPr>
+        </p:nvGraphicFramePr>
+        <p:xfrm>
+          <a:off x="191344" y="808700"/>
+          <a:ext cx="3528392" cy="1612188"/>
+        </p:xfrm>
+        <a:graphic>
+          <a:graphicData uri="http://schemas.openxmlformats.org/drawingml/2006/table">
+            <a:tbl>
+              <a:tblPr firstRow="1" bandRow="1">
+                <a:effectLst>
+                  <a:outerShdw blurRad="50800" dist="38100" dir="2700000" algn="tl" rotWithShape="0">
+                    <a:prstClr val="black">
+                      <a:alpha val="40000"/>
+                    </a:prstClr>
+                  </a:outerShdw>
+                </a:effectLst>
+                <a:tableStyleId>{F5AB1C69-6EDB-4FF4-983F-18BD219EF322}</a:tableStyleId>
+              </a:tblPr>
+              <a:tblGrid>
+                <a:gridCol w="3528392">
+                  <a:extLst>
+                    <a:ext uri="{9D8B030D-6E8A-4147-A177-3AD203B41FA5}">
+                      <a16:colId xmlns:a16="http://schemas.microsoft.com/office/drawing/2014/main" val="3811916345"/>
+                    </a:ext>
+                  </a:extLst>
+                </a:gridCol>
+              </a:tblGrid>
+              <a:tr h="540060">
+                <a:tc>
+                  <a:txBody>
+                    <a:bodyPr/>
+                    <a:lstStyle/>
+                    <a:p>
+                      <a:pPr algn="ctr" latinLnBrk="1"/>
+                      <a:endParaRPr lang="en-US" altLang="ko-KR" dirty="0">
+                        <a:solidFill>
+                          <a:schemeClr val="tx1"/>
+                        </a:solidFill>
+                      </a:endParaRPr>
+                    </a:p>
+                    <a:p>
+                      <a:pPr algn="ctr" latinLnBrk="1"/>
+                      <a:r>
+                        <a:rPr lang="en-US" altLang="ko-KR" dirty="0">
+                          <a:solidFill>
+                            <a:schemeClr val="tx1"/>
+                          </a:solidFill>
+                        </a:rPr>
+                        <a:t>Context</a:t>
+                      </a:r>
+                      <a:endParaRPr lang="ko-KR" altLang="en-US" dirty="0">
+                        <a:solidFill>
+                          <a:schemeClr val="tx1"/>
+                        </a:solidFill>
+                      </a:endParaRPr>
+                    </a:p>
+                  </a:txBody>
+                  <a:tcPr anchor="ctr">
+                    <a:lnL w="12700" cap="flat" cmpd="sng" algn="ctr">
+                      <a:solidFill>
+                        <a:schemeClr val="tx1"/>
+                      </a:solidFill>
+                      <a:prstDash val="solid"/>
+                      <a:round/>
+                      <a:headEnd type="none" w="med" len="med"/>
+                      <a:tailEnd type="none" w="med" len="med"/>
+                    </a:lnL>
+                    <a:lnR w="12700" cap="flat" cmpd="sng" algn="ctr">
+                      <a:solidFill>
+                        <a:schemeClr val="tx1"/>
+                      </a:solidFill>
+                      <a:prstDash val="solid"/>
+                      <a:round/>
+                      <a:headEnd type="none" w="med" len="med"/>
+                      <a:tailEnd type="none" w="med" len="med"/>
+                    </a:lnR>
+                    <a:lnT w="12700" cap="flat" cmpd="sng" algn="ctr">
+                      <a:solidFill>
+                        <a:schemeClr val="tx1"/>
+                      </a:solidFill>
+                      <a:prstDash val="solid"/>
+                      <a:round/>
+                      <a:headEnd type="none" w="med" len="med"/>
+                      <a:tailEnd type="none" w="med" len="med"/>
+                    </a:lnT>
+                    <a:lnB w="12700" cap="flat" cmpd="sng" algn="ctr">
+                      <a:solidFill>
+                        <a:schemeClr val="tx1"/>
+                      </a:solidFill>
+                      <a:prstDash val="solid"/>
+                      <a:round/>
+                      <a:headEnd type="none" w="med" len="med"/>
+                      <a:tailEnd type="none" w="med" len="med"/>
+                    </a:lnB>
+                    <a:solidFill>
+                      <a:schemeClr val="bg1"/>
+                    </a:solidFill>
+                  </a:tcPr>
+                </a:tc>
+                <a:extLst>
+                  <a:ext uri="{0D108BD9-81ED-4DB2-BD59-A6C34878D82A}">
+                    <a16:rowId xmlns:a16="http://schemas.microsoft.com/office/drawing/2014/main" val="4033184119"/>
+                  </a:ext>
+                </a:extLst>
+              </a:tr>
+              <a:tr h="972108">
+                <a:tc>
+                  <a:txBody>
+                    <a:bodyPr/>
+                    <a:lstStyle/>
+                    <a:p>
+                      <a:pPr algn="ctr" latinLnBrk="1"/>
+                      <a:r>
+                        <a:rPr lang="en-US" altLang="ko-KR" dirty="0"/>
+                        <a:t>Operation()</a:t>
+                      </a:r>
+                      <a:endParaRPr lang="ko-KR" altLang="en-US" dirty="0"/>
+                    </a:p>
+                  </a:txBody>
+                  <a:tcPr anchor="ctr">
+                    <a:lnL w="12700" cap="flat" cmpd="sng" algn="ctr">
+                      <a:solidFill>
+                        <a:schemeClr val="tx1"/>
+                      </a:solidFill>
+                      <a:prstDash val="solid"/>
+                      <a:round/>
+                      <a:headEnd type="none" w="med" len="med"/>
+                      <a:tailEnd type="none" w="med" len="med"/>
+                    </a:lnL>
+                    <a:lnR w="12700" cap="flat" cmpd="sng" algn="ctr">
+                      <a:solidFill>
+                        <a:schemeClr val="tx1"/>
+                      </a:solidFill>
+                      <a:prstDash val="solid"/>
+                      <a:round/>
+                      <a:headEnd type="none" w="med" len="med"/>
+                      <a:tailEnd type="none" w="med" len="med"/>
+                    </a:lnR>
+                    <a:lnT w="12700" cap="flat" cmpd="sng" algn="ctr">
+                      <a:solidFill>
+                        <a:schemeClr val="tx1"/>
+                      </a:solidFill>
+                      <a:prstDash val="solid"/>
+                      <a:round/>
+                      <a:headEnd type="none" w="med" len="med"/>
+                      <a:tailEnd type="none" w="med" len="med"/>
+                    </a:lnT>
+                    <a:lnB w="12700" cap="flat" cmpd="sng" algn="ctr">
+                      <a:solidFill>
+                        <a:schemeClr val="tx1"/>
+                      </a:solidFill>
+                      <a:prstDash val="solid"/>
+                      <a:round/>
+                      <a:headEnd type="none" w="med" len="med"/>
+                      <a:tailEnd type="none" w="med" len="med"/>
+                    </a:lnB>
+                    <a:solidFill>
+                      <a:schemeClr val="bg1"/>
+                    </a:solidFill>
+                  </a:tcPr>
+                </a:tc>
+                <a:extLst>
+                  <a:ext uri="{0D108BD9-81ED-4DB2-BD59-A6C34878D82A}">
+                    <a16:rowId xmlns:a16="http://schemas.microsoft.com/office/drawing/2014/main" val="602478295"/>
+                  </a:ext>
+                </a:extLst>
+              </a:tr>
+            </a:tbl>
+          </a:graphicData>
+        </a:graphic>
+      </p:graphicFrame>
+      <p:sp>
+        <p:nvSpPr>
+          <p:cNvPr id="8" name="TextBox 7">
+            <a:extLst>
+              <a:ext uri="{FF2B5EF4-FFF2-40B4-BE49-F238E27FC236}">
+                <a16:creationId xmlns:a16="http://schemas.microsoft.com/office/drawing/2014/main" id="{31FF894A-BF52-48D0-B435-3D046D972367}"/>
+              </a:ext>
+            </a:extLst>
+          </p:cNvPr>
+          <p:cNvSpPr txBox="1"/>
+          <p:nvPr/>
+        </p:nvSpPr>
+        <p:spPr>
+          <a:xfrm>
+            <a:off x="1247654" y="226257"/>
+            <a:ext cx="1415772" cy="584775"/>
+          </a:xfrm>
+          <a:prstGeom prst="rect">
+            <a:avLst/>
+          </a:prstGeom>
+          <a:noFill/>
+        </p:spPr>
+        <p:txBody>
+          <a:bodyPr wrap="none" rtlCol="0">
+            <a:spAutoFit/>
+          </a:bodyPr>
+          <a:lstStyle/>
+          <a:p>
+            <a:pPr algn="ctr"/>
+            <a:r>
+              <a:rPr lang="ko-KR" altLang="en-US" sz="3200" b="1" dirty="0">
+                <a:solidFill>
+                  <a:srgbClr val="C00000"/>
+                </a:solidFill>
+              </a:rPr>
+              <a:t>행위자</a:t>
+            </a:r>
+          </a:p>
+        </p:txBody>
+      </p:sp>
+      <p:graphicFrame>
+        <p:nvGraphicFramePr>
+          <p:cNvPr id="9" name="표 7">
+            <a:extLst>
+              <a:ext uri="{FF2B5EF4-FFF2-40B4-BE49-F238E27FC236}">
+                <a16:creationId xmlns:a16="http://schemas.microsoft.com/office/drawing/2014/main" id="{1B01C5E1-0AFC-4CDC-AD05-7F0430C65F7A}"/>
+              </a:ext>
+            </a:extLst>
+          </p:cNvPr>
+          <p:cNvGraphicFramePr>
+            <a:graphicFrameLocks noGrp="1"/>
+          </p:cNvGraphicFramePr>
+          <p:nvPr>
+            <p:extLst>
+              <p:ext uri="{D42A27DB-BD31-4B8C-83A1-F6EECF244321}">
+                <p14:modId xmlns:p14="http://schemas.microsoft.com/office/powerpoint/2010/main" val="764090312"/>
+              </p:ext>
+            </p:extLst>
+          </p:nvPr>
+        </p:nvGraphicFramePr>
+        <p:xfrm>
+          <a:off x="6475613" y="808700"/>
+          <a:ext cx="3528392" cy="1612188"/>
+        </p:xfrm>
+        <a:graphic>
+          <a:graphicData uri="http://schemas.openxmlformats.org/drawingml/2006/table">
+            <a:tbl>
+              <a:tblPr firstRow="1" bandRow="1">
+                <a:effectLst>
+                  <a:outerShdw blurRad="50800" dist="38100" dir="2700000" algn="tl" rotWithShape="0">
+                    <a:prstClr val="black">
+                      <a:alpha val="40000"/>
+                    </a:prstClr>
+                  </a:outerShdw>
+                </a:effectLst>
+                <a:tableStyleId>{F5AB1C69-6EDB-4FF4-983F-18BD219EF322}</a:tableStyleId>
+              </a:tblPr>
+              <a:tblGrid>
+                <a:gridCol w="3528392">
+                  <a:extLst>
+                    <a:ext uri="{9D8B030D-6E8A-4147-A177-3AD203B41FA5}">
+                      <a16:colId xmlns:a16="http://schemas.microsoft.com/office/drawing/2014/main" val="3811916345"/>
+                    </a:ext>
+                  </a:extLst>
+                </a:gridCol>
+              </a:tblGrid>
+              <a:tr h="540060">
+                <a:tc>
+                  <a:txBody>
+                    <a:bodyPr/>
+                    <a:lstStyle/>
+                    <a:p>
+                      <a:pPr algn="ctr" latinLnBrk="1"/>
+                      <a:r>
+                        <a:rPr lang="en-US" altLang="ko-KR" dirty="0">
+                          <a:solidFill>
+                            <a:schemeClr val="tx1"/>
+                          </a:solidFill>
+                        </a:rPr>
+                        <a:t>&lt;&lt;interface&gt;&gt;</a:t>
+                      </a:r>
+                    </a:p>
+                    <a:p>
+                      <a:pPr algn="ctr" latinLnBrk="1"/>
+                      <a:r>
+                        <a:rPr lang="en-US" altLang="ko-KR" dirty="0">
+                          <a:solidFill>
+                            <a:schemeClr val="tx1"/>
+                          </a:solidFill>
+                        </a:rPr>
+                        <a:t>Strategy</a:t>
+                      </a:r>
+                      <a:endParaRPr lang="ko-KR" altLang="en-US" dirty="0">
+                        <a:solidFill>
+                          <a:schemeClr val="tx1"/>
+                        </a:solidFill>
+                      </a:endParaRPr>
+                    </a:p>
+                  </a:txBody>
+                  <a:tcPr anchor="ctr">
+                    <a:lnL w="12700" cap="flat" cmpd="sng" algn="ctr">
+                      <a:solidFill>
+                        <a:schemeClr val="tx1"/>
+                      </a:solidFill>
+                      <a:prstDash val="solid"/>
+                      <a:round/>
+                      <a:headEnd type="none" w="med" len="med"/>
+                      <a:tailEnd type="none" w="med" len="med"/>
+                    </a:lnL>
+                    <a:lnR w="12700" cap="flat" cmpd="sng" algn="ctr">
+                      <a:solidFill>
+                        <a:schemeClr val="tx1"/>
+                      </a:solidFill>
+                      <a:prstDash val="solid"/>
+                      <a:round/>
+                      <a:headEnd type="none" w="med" len="med"/>
+                      <a:tailEnd type="none" w="med" len="med"/>
+                    </a:lnR>
+                    <a:lnT w="12700" cap="flat" cmpd="sng" algn="ctr">
+                      <a:solidFill>
+                        <a:schemeClr val="tx1"/>
+                      </a:solidFill>
+                      <a:prstDash val="solid"/>
+                      <a:round/>
+                      <a:headEnd type="none" w="med" len="med"/>
+                      <a:tailEnd type="none" w="med" len="med"/>
+                    </a:lnT>
+                    <a:lnB w="12700" cap="flat" cmpd="sng" algn="ctr">
+                      <a:solidFill>
+                        <a:schemeClr val="tx1"/>
+                      </a:solidFill>
+                      <a:prstDash val="solid"/>
+                      <a:round/>
+                      <a:headEnd type="none" w="med" len="med"/>
+                      <a:tailEnd type="none" w="med" len="med"/>
+                    </a:lnB>
+                    <a:solidFill>
+                      <a:schemeClr val="bg1"/>
+                    </a:solidFill>
+                  </a:tcPr>
+                </a:tc>
+                <a:extLst>
+                  <a:ext uri="{0D108BD9-81ED-4DB2-BD59-A6C34878D82A}">
+                    <a16:rowId xmlns:a16="http://schemas.microsoft.com/office/drawing/2014/main" val="4033184119"/>
+                  </a:ext>
+                </a:extLst>
+              </a:tr>
+              <a:tr h="972108">
+                <a:tc>
+                  <a:txBody>
+                    <a:bodyPr/>
+                    <a:lstStyle/>
+                    <a:p>
+                      <a:pPr algn="ctr" latinLnBrk="1"/>
+                      <a:r>
+                        <a:rPr lang="en-US" altLang="ko-KR" dirty="0"/>
+                        <a:t>Algorithm()</a:t>
+                      </a:r>
+                      <a:endParaRPr lang="ko-KR" altLang="en-US" dirty="0"/>
+                    </a:p>
+                  </a:txBody>
+                  <a:tcPr anchor="ctr">
+                    <a:lnL w="12700" cap="flat" cmpd="sng" algn="ctr">
+                      <a:solidFill>
+                        <a:schemeClr val="tx1"/>
+                      </a:solidFill>
+                      <a:prstDash val="solid"/>
+                      <a:round/>
+                      <a:headEnd type="none" w="med" len="med"/>
+                      <a:tailEnd type="none" w="med" len="med"/>
+                    </a:lnL>
+                    <a:lnR w="12700" cap="flat" cmpd="sng" algn="ctr">
+                      <a:solidFill>
+                        <a:schemeClr val="tx1"/>
+                      </a:solidFill>
+                      <a:prstDash val="solid"/>
+                      <a:round/>
+                      <a:headEnd type="none" w="med" len="med"/>
+                      <a:tailEnd type="none" w="med" len="med"/>
+                    </a:lnR>
+                    <a:lnT w="12700" cap="flat" cmpd="sng" algn="ctr">
+                      <a:solidFill>
+                        <a:schemeClr val="tx1"/>
+                      </a:solidFill>
+                      <a:prstDash val="solid"/>
+                      <a:round/>
+                      <a:headEnd type="none" w="med" len="med"/>
+                      <a:tailEnd type="none" w="med" len="med"/>
+                    </a:lnT>
+                    <a:lnB w="12700" cap="flat" cmpd="sng" algn="ctr">
+                      <a:solidFill>
+                        <a:schemeClr val="tx1"/>
+                      </a:solidFill>
+                      <a:prstDash val="solid"/>
+                      <a:round/>
+                      <a:headEnd type="none" w="med" len="med"/>
+                      <a:tailEnd type="none" w="med" len="med"/>
+                    </a:lnB>
+                    <a:solidFill>
+                      <a:schemeClr val="bg1"/>
+                    </a:solidFill>
+                  </a:tcPr>
+                </a:tc>
+                <a:extLst>
+                  <a:ext uri="{0D108BD9-81ED-4DB2-BD59-A6C34878D82A}">
+                    <a16:rowId xmlns:a16="http://schemas.microsoft.com/office/drawing/2014/main" val="602478295"/>
+                  </a:ext>
+                </a:extLst>
+              </a:tr>
+            </a:tbl>
+          </a:graphicData>
+        </a:graphic>
+      </p:graphicFrame>
+      <p:sp>
+        <p:nvSpPr>
+          <p:cNvPr id="10" name="TextBox 9">
+            <a:extLst>
+              <a:ext uri="{FF2B5EF4-FFF2-40B4-BE49-F238E27FC236}">
+                <a16:creationId xmlns:a16="http://schemas.microsoft.com/office/drawing/2014/main" id="{864A660C-667A-4B3C-BC5C-0C577B3304A4}"/>
+              </a:ext>
+            </a:extLst>
+          </p:cNvPr>
+          <p:cNvSpPr txBox="1"/>
+          <p:nvPr/>
+        </p:nvSpPr>
+        <p:spPr>
+          <a:xfrm>
+            <a:off x="7179262" y="222412"/>
+            <a:ext cx="2121093" cy="584775"/>
+          </a:xfrm>
+          <a:prstGeom prst="rect">
+            <a:avLst/>
+          </a:prstGeom>
+          <a:noFill/>
+        </p:spPr>
+        <p:txBody>
+          <a:bodyPr wrap="none" rtlCol="0">
+            <a:spAutoFit/>
+          </a:bodyPr>
+          <a:lstStyle/>
+          <a:p>
+            <a:pPr algn="ctr"/>
+            <a:r>
+              <a:rPr lang="ko-KR" altLang="en-US" sz="3200" b="1">
+                <a:solidFill>
+                  <a:srgbClr val="C00000"/>
+                </a:solidFill>
+              </a:rPr>
+              <a:t>전략</a:t>
+            </a:r>
+            <a:r>
+              <a:rPr lang="en-US" altLang="ko-KR" sz="3200" b="1" dirty="0">
+                <a:solidFill>
+                  <a:srgbClr val="C00000"/>
+                </a:solidFill>
+              </a:rPr>
+              <a:t>(</a:t>
+            </a:r>
+            <a:r>
+              <a:rPr lang="ko-KR" altLang="en-US" sz="3200" b="1" dirty="0">
+                <a:solidFill>
+                  <a:srgbClr val="C00000"/>
+                </a:solidFill>
+              </a:rPr>
+              <a:t>추상</a:t>
+            </a:r>
+            <a:r>
+              <a:rPr lang="en-US" altLang="ko-KR" sz="3200" b="1" dirty="0">
+                <a:solidFill>
+                  <a:srgbClr val="C00000"/>
+                </a:solidFill>
+              </a:rPr>
+              <a:t>)</a:t>
+            </a:r>
+            <a:endParaRPr lang="ko-KR" altLang="en-US" sz="3200" b="1" dirty="0">
+              <a:solidFill>
+                <a:srgbClr val="C00000"/>
+              </a:solidFill>
+            </a:endParaRPr>
+          </a:p>
+        </p:txBody>
+      </p:sp>
+      <p:cxnSp>
+        <p:nvCxnSpPr>
+          <p:cNvPr id="11" name="직선 화살표 연결선 10">
+            <a:extLst>
+              <a:ext uri="{FF2B5EF4-FFF2-40B4-BE49-F238E27FC236}">
+                <a16:creationId xmlns:a16="http://schemas.microsoft.com/office/drawing/2014/main" id="{E1BD7246-8C9F-4278-8726-FE2FBE6B549F}"/>
+              </a:ext>
+            </a:extLst>
+          </p:cNvPr>
+          <p:cNvCxnSpPr>
+            <a:cxnSpLocks/>
+            <a:stCxn id="7" idx="3"/>
+            <a:endCxn id="9" idx="1"/>
+          </p:cNvCxnSpPr>
+          <p:nvPr/>
+        </p:nvCxnSpPr>
+        <p:spPr>
+          <a:xfrm>
+            <a:off x="3719736" y="1614794"/>
+            <a:ext cx="2755877" cy="0"/>
+          </a:xfrm>
+          <a:prstGeom prst="straightConnector1">
+            <a:avLst/>
+          </a:prstGeom>
+          <a:ln w="38100">
+            <a:headEnd type="diamond" w="lg" len="lg"/>
+            <a:tailEnd type="arrow" w="lg" len="lg"/>
+          </a:ln>
+        </p:spPr>
+        <p:style>
+          <a:lnRef idx="1">
+            <a:schemeClr val="accent1"/>
+          </a:lnRef>
+          <a:fillRef idx="0">
+            <a:schemeClr val="accent1"/>
+          </a:fillRef>
+          <a:effectRef idx="0">
+            <a:schemeClr val="accent1"/>
+          </a:effectRef>
+          <a:fontRef idx="minor">
+            <a:schemeClr val="tx1"/>
+          </a:fontRef>
+        </p:style>
+      </p:cxnSp>
+      <p:graphicFrame>
+        <p:nvGraphicFramePr>
+          <p:cNvPr id="14" name="표 7">
+            <a:extLst>
+              <a:ext uri="{FF2B5EF4-FFF2-40B4-BE49-F238E27FC236}">
+                <a16:creationId xmlns:a16="http://schemas.microsoft.com/office/drawing/2014/main" id="{BCED459B-80DA-471B-96DA-3293A37D0B03}"/>
+              </a:ext>
+            </a:extLst>
+          </p:cNvPr>
+          <p:cNvGraphicFramePr>
+            <a:graphicFrameLocks noGrp="1"/>
+          </p:cNvGraphicFramePr>
+          <p:nvPr>
+            <p:extLst>
+              <p:ext uri="{D42A27DB-BD31-4B8C-83A1-F6EECF244321}">
+                <p14:modId xmlns:p14="http://schemas.microsoft.com/office/powerpoint/2010/main" val="412883250"/>
+              </p:ext>
+            </p:extLst>
+          </p:nvPr>
+        </p:nvGraphicFramePr>
+        <p:xfrm>
+          <a:off x="4711417" y="4437112"/>
+          <a:ext cx="3528392" cy="1612188"/>
+        </p:xfrm>
+        <a:graphic>
+          <a:graphicData uri="http://schemas.openxmlformats.org/drawingml/2006/table">
+            <a:tbl>
+              <a:tblPr firstRow="1" bandRow="1">
+                <a:effectLst>
+                  <a:outerShdw blurRad="50800" dist="38100" dir="2700000" algn="tl" rotWithShape="0">
+                    <a:prstClr val="black">
+                      <a:alpha val="40000"/>
+                    </a:prstClr>
+                  </a:outerShdw>
+                </a:effectLst>
+                <a:tableStyleId>{F5AB1C69-6EDB-4FF4-983F-18BD219EF322}</a:tableStyleId>
+              </a:tblPr>
+              <a:tblGrid>
+                <a:gridCol w="3528392">
+                  <a:extLst>
+                    <a:ext uri="{9D8B030D-6E8A-4147-A177-3AD203B41FA5}">
+                      <a16:colId xmlns:a16="http://schemas.microsoft.com/office/drawing/2014/main" val="3811916345"/>
+                    </a:ext>
+                  </a:extLst>
+                </a:gridCol>
+              </a:tblGrid>
+              <a:tr h="540060">
+                <a:tc>
+                  <a:txBody>
+                    <a:bodyPr/>
+                    <a:lstStyle/>
+                    <a:p>
+                      <a:pPr algn="ctr" latinLnBrk="1"/>
+                      <a:endParaRPr lang="en-US" altLang="ko-KR" dirty="0">
+                        <a:solidFill>
+                          <a:schemeClr val="tx1"/>
+                        </a:solidFill>
+                      </a:endParaRPr>
+                    </a:p>
+                    <a:p>
+                      <a:pPr algn="ctr" latinLnBrk="1"/>
+                      <a:r>
+                        <a:rPr lang="en-US" altLang="ko-KR" dirty="0">
+                          <a:solidFill>
+                            <a:schemeClr val="tx1"/>
+                          </a:solidFill>
+                        </a:rPr>
+                        <a:t>Strategy1</a:t>
+                      </a:r>
+                      <a:endParaRPr lang="ko-KR" altLang="en-US" dirty="0">
+                        <a:solidFill>
+                          <a:schemeClr val="tx1"/>
+                        </a:solidFill>
+                      </a:endParaRPr>
+                    </a:p>
+                  </a:txBody>
+                  <a:tcPr anchor="ctr">
+                    <a:lnL w="12700" cap="flat" cmpd="sng" algn="ctr">
+                      <a:solidFill>
+                        <a:schemeClr val="tx1"/>
+                      </a:solidFill>
+                      <a:prstDash val="solid"/>
+                      <a:round/>
+                      <a:headEnd type="none" w="med" len="med"/>
+                      <a:tailEnd type="none" w="med" len="med"/>
+                    </a:lnL>
+                    <a:lnR w="12700" cap="flat" cmpd="sng" algn="ctr">
+                      <a:solidFill>
+                        <a:schemeClr val="tx1"/>
+                      </a:solidFill>
+                      <a:prstDash val="solid"/>
+                      <a:round/>
+                      <a:headEnd type="none" w="med" len="med"/>
+                      <a:tailEnd type="none" w="med" len="med"/>
+                    </a:lnR>
+                    <a:lnT w="12700" cap="flat" cmpd="sng" algn="ctr">
+                      <a:solidFill>
+                        <a:schemeClr val="tx1"/>
+                      </a:solidFill>
+                      <a:prstDash val="solid"/>
+                      <a:round/>
+                      <a:headEnd type="none" w="med" len="med"/>
+                      <a:tailEnd type="none" w="med" len="med"/>
+                    </a:lnT>
+                    <a:lnB w="12700" cap="flat" cmpd="sng" algn="ctr">
+                      <a:solidFill>
+                        <a:schemeClr val="tx1"/>
+                      </a:solidFill>
+                      <a:prstDash val="solid"/>
+                      <a:round/>
+                      <a:headEnd type="none" w="med" len="med"/>
+                      <a:tailEnd type="none" w="med" len="med"/>
+                    </a:lnB>
+                    <a:solidFill>
+                      <a:schemeClr val="bg1"/>
+                    </a:solidFill>
+                  </a:tcPr>
+                </a:tc>
+                <a:extLst>
+                  <a:ext uri="{0D108BD9-81ED-4DB2-BD59-A6C34878D82A}">
+                    <a16:rowId xmlns:a16="http://schemas.microsoft.com/office/drawing/2014/main" val="4033184119"/>
+                  </a:ext>
+                </a:extLst>
+              </a:tr>
+              <a:tr h="972108">
+                <a:tc>
+                  <a:txBody>
+                    <a:bodyPr/>
+                    <a:lstStyle/>
+                    <a:p>
+                      <a:pPr algn="ctr" latinLnBrk="1"/>
+                      <a:r>
+                        <a:rPr lang="en-US" altLang="ko-KR" dirty="0"/>
+                        <a:t>Algorithm()</a:t>
+                      </a:r>
+                      <a:endParaRPr lang="ko-KR" altLang="en-US" dirty="0"/>
+                    </a:p>
+                  </a:txBody>
+                  <a:tcPr anchor="ctr">
+                    <a:lnL w="12700" cap="flat" cmpd="sng" algn="ctr">
+                      <a:solidFill>
+                        <a:schemeClr val="tx1"/>
+                      </a:solidFill>
+                      <a:prstDash val="solid"/>
+                      <a:round/>
+                      <a:headEnd type="none" w="med" len="med"/>
+                      <a:tailEnd type="none" w="med" len="med"/>
+                    </a:lnL>
+                    <a:lnR w="12700" cap="flat" cmpd="sng" algn="ctr">
+                      <a:solidFill>
+                        <a:schemeClr val="tx1"/>
+                      </a:solidFill>
+                      <a:prstDash val="solid"/>
+                      <a:round/>
+                      <a:headEnd type="none" w="med" len="med"/>
+                      <a:tailEnd type="none" w="med" len="med"/>
+                    </a:lnR>
+                    <a:lnT w="12700" cap="flat" cmpd="sng" algn="ctr">
+                      <a:solidFill>
+                        <a:schemeClr val="tx1"/>
+                      </a:solidFill>
+                      <a:prstDash val="solid"/>
+                      <a:round/>
+                      <a:headEnd type="none" w="med" len="med"/>
+                      <a:tailEnd type="none" w="med" len="med"/>
+                    </a:lnT>
+                    <a:lnB w="12700" cap="flat" cmpd="sng" algn="ctr">
+                      <a:solidFill>
+                        <a:schemeClr val="tx1"/>
+                      </a:solidFill>
+                      <a:prstDash val="solid"/>
+                      <a:round/>
+                      <a:headEnd type="none" w="med" len="med"/>
+                      <a:tailEnd type="none" w="med" len="med"/>
+                    </a:lnB>
+                    <a:solidFill>
+                      <a:schemeClr val="bg1"/>
+                    </a:solidFill>
+                  </a:tcPr>
+                </a:tc>
+                <a:extLst>
+                  <a:ext uri="{0D108BD9-81ED-4DB2-BD59-A6C34878D82A}">
+                    <a16:rowId xmlns:a16="http://schemas.microsoft.com/office/drawing/2014/main" val="602478295"/>
+                  </a:ext>
+                </a:extLst>
+              </a:tr>
+            </a:tbl>
+          </a:graphicData>
+        </a:graphic>
+      </p:graphicFrame>
+      <p:sp>
+        <p:nvSpPr>
+          <p:cNvPr id="15" name="TextBox 14">
+            <a:extLst>
+              <a:ext uri="{FF2B5EF4-FFF2-40B4-BE49-F238E27FC236}">
+                <a16:creationId xmlns:a16="http://schemas.microsoft.com/office/drawing/2014/main" id="{F298EE77-9843-4496-9C14-160D30549AC5}"/>
+              </a:ext>
+            </a:extLst>
+          </p:cNvPr>
+          <p:cNvSpPr txBox="1"/>
+          <p:nvPr/>
+        </p:nvSpPr>
+        <p:spPr>
+          <a:xfrm>
+            <a:off x="5854287" y="3850824"/>
+            <a:ext cx="1242649" cy="584775"/>
+          </a:xfrm>
+          <a:prstGeom prst="rect">
+            <a:avLst/>
+          </a:prstGeom>
+          <a:noFill/>
+        </p:spPr>
+        <p:txBody>
+          <a:bodyPr wrap="none" rtlCol="0">
+            <a:spAutoFit/>
+          </a:bodyPr>
+          <a:lstStyle/>
+          <a:p>
+            <a:pPr algn="ctr"/>
+            <a:r>
+              <a:rPr lang="ko-KR" altLang="en-US" sz="3200" b="1" dirty="0">
+                <a:solidFill>
+                  <a:srgbClr val="C00000"/>
+                </a:solidFill>
+              </a:rPr>
+              <a:t>전략</a:t>
+            </a:r>
+            <a:r>
+              <a:rPr lang="en-US" altLang="ko-KR" sz="3200" b="1" dirty="0">
+                <a:solidFill>
+                  <a:srgbClr val="C00000"/>
+                </a:solidFill>
+              </a:rPr>
+              <a:t>1</a:t>
+            </a:r>
+            <a:endParaRPr lang="ko-KR" altLang="en-US" sz="3200" b="1" dirty="0">
+              <a:solidFill>
+                <a:srgbClr val="C00000"/>
+              </a:solidFill>
+            </a:endParaRPr>
+          </a:p>
+        </p:txBody>
+      </p:sp>
+      <p:graphicFrame>
+        <p:nvGraphicFramePr>
+          <p:cNvPr id="16" name="표 7">
+            <a:extLst>
+              <a:ext uri="{FF2B5EF4-FFF2-40B4-BE49-F238E27FC236}">
+                <a16:creationId xmlns:a16="http://schemas.microsoft.com/office/drawing/2014/main" id="{6B10C50A-726D-452A-AB17-57E5C575D561}"/>
+              </a:ext>
+            </a:extLst>
+          </p:cNvPr>
+          <p:cNvGraphicFramePr>
+            <a:graphicFrameLocks noGrp="1"/>
+          </p:cNvGraphicFramePr>
+          <p:nvPr>
+            <p:extLst>
+              <p:ext uri="{D42A27DB-BD31-4B8C-83A1-F6EECF244321}">
+                <p14:modId xmlns:p14="http://schemas.microsoft.com/office/powerpoint/2010/main" val="74680483"/>
+              </p:ext>
+            </p:extLst>
+          </p:nvPr>
+        </p:nvGraphicFramePr>
+        <p:xfrm>
+          <a:off x="8400256" y="4437112"/>
+          <a:ext cx="3528392" cy="1612188"/>
+        </p:xfrm>
+        <a:graphic>
+          <a:graphicData uri="http://schemas.openxmlformats.org/drawingml/2006/table">
+            <a:tbl>
+              <a:tblPr firstRow="1" bandRow="1">
+                <a:effectLst>
+                  <a:outerShdw blurRad="50800" dist="38100" dir="2700000" algn="tl" rotWithShape="0">
+                    <a:prstClr val="black">
+                      <a:alpha val="40000"/>
+                    </a:prstClr>
+                  </a:outerShdw>
+                </a:effectLst>
+                <a:tableStyleId>{F5AB1C69-6EDB-4FF4-983F-18BD219EF322}</a:tableStyleId>
+              </a:tblPr>
+              <a:tblGrid>
+                <a:gridCol w="3528392">
+                  <a:extLst>
+                    <a:ext uri="{9D8B030D-6E8A-4147-A177-3AD203B41FA5}">
+                      <a16:colId xmlns:a16="http://schemas.microsoft.com/office/drawing/2014/main" val="3811916345"/>
+                    </a:ext>
+                  </a:extLst>
+                </a:gridCol>
+              </a:tblGrid>
+              <a:tr h="540060">
+                <a:tc>
+                  <a:txBody>
+                    <a:bodyPr/>
+                    <a:lstStyle/>
+                    <a:p>
+                      <a:pPr algn="ctr" latinLnBrk="1"/>
+                      <a:endParaRPr lang="en-US" altLang="ko-KR" dirty="0">
+                        <a:solidFill>
+                          <a:schemeClr val="tx1"/>
+                        </a:solidFill>
+                      </a:endParaRPr>
+                    </a:p>
+                    <a:p>
+                      <a:pPr algn="ctr" latinLnBrk="1"/>
+                      <a:r>
+                        <a:rPr lang="en-US" altLang="ko-KR" dirty="0">
+                          <a:solidFill>
+                            <a:schemeClr val="tx1"/>
+                          </a:solidFill>
+                        </a:rPr>
+                        <a:t>Strategy2</a:t>
+                      </a:r>
+                      <a:endParaRPr lang="ko-KR" altLang="en-US" dirty="0">
+                        <a:solidFill>
+                          <a:schemeClr val="tx1"/>
+                        </a:solidFill>
+                      </a:endParaRPr>
+                    </a:p>
+                  </a:txBody>
+                  <a:tcPr anchor="ctr">
+                    <a:lnL w="12700" cap="flat" cmpd="sng" algn="ctr">
+                      <a:solidFill>
+                        <a:schemeClr val="tx1"/>
+                      </a:solidFill>
+                      <a:prstDash val="solid"/>
+                      <a:round/>
+                      <a:headEnd type="none" w="med" len="med"/>
+                      <a:tailEnd type="none" w="med" len="med"/>
+                    </a:lnL>
+                    <a:lnR w="12700" cap="flat" cmpd="sng" algn="ctr">
+                      <a:solidFill>
+                        <a:schemeClr val="tx1"/>
+                      </a:solidFill>
+                      <a:prstDash val="solid"/>
+                      <a:round/>
+                      <a:headEnd type="none" w="med" len="med"/>
+                      <a:tailEnd type="none" w="med" len="med"/>
+                    </a:lnR>
+                    <a:lnT w="12700" cap="flat" cmpd="sng" algn="ctr">
+                      <a:solidFill>
+                        <a:schemeClr val="tx1"/>
+                      </a:solidFill>
+                      <a:prstDash val="solid"/>
+                      <a:round/>
+                      <a:headEnd type="none" w="med" len="med"/>
+                      <a:tailEnd type="none" w="med" len="med"/>
+                    </a:lnT>
+                    <a:lnB w="12700" cap="flat" cmpd="sng" algn="ctr">
+                      <a:solidFill>
+                        <a:schemeClr val="tx1"/>
+                      </a:solidFill>
+                      <a:prstDash val="solid"/>
+                      <a:round/>
+                      <a:headEnd type="none" w="med" len="med"/>
+                      <a:tailEnd type="none" w="med" len="med"/>
+                    </a:lnB>
+                    <a:solidFill>
+                      <a:schemeClr val="bg1"/>
+                    </a:solidFill>
+                  </a:tcPr>
+                </a:tc>
+                <a:extLst>
+                  <a:ext uri="{0D108BD9-81ED-4DB2-BD59-A6C34878D82A}">
+                    <a16:rowId xmlns:a16="http://schemas.microsoft.com/office/drawing/2014/main" val="4033184119"/>
+                  </a:ext>
+                </a:extLst>
+              </a:tr>
+              <a:tr h="972108">
+                <a:tc>
+                  <a:txBody>
+                    <a:bodyPr/>
+                    <a:lstStyle/>
+                    <a:p>
+                      <a:pPr algn="ctr" latinLnBrk="1"/>
+                      <a:r>
+                        <a:rPr lang="en-US" altLang="ko-KR" dirty="0"/>
+                        <a:t>Algorithm()</a:t>
+                      </a:r>
+                      <a:endParaRPr lang="ko-KR" altLang="en-US" dirty="0"/>
+                    </a:p>
+                  </a:txBody>
+                  <a:tcPr anchor="ctr">
+                    <a:lnL w="12700" cap="flat" cmpd="sng" algn="ctr">
+                      <a:solidFill>
+                        <a:schemeClr val="tx1"/>
+                      </a:solidFill>
+                      <a:prstDash val="solid"/>
+                      <a:round/>
+                      <a:headEnd type="none" w="med" len="med"/>
+                      <a:tailEnd type="none" w="med" len="med"/>
+                    </a:lnL>
+                    <a:lnR w="12700" cap="flat" cmpd="sng" algn="ctr">
+                      <a:solidFill>
+                        <a:schemeClr val="tx1"/>
+                      </a:solidFill>
+                      <a:prstDash val="solid"/>
+                      <a:round/>
+                      <a:headEnd type="none" w="med" len="med"/>
+                      <a:tailEnd type="none" w="med" len="med"/>
+                    </a:lnR>
+                    <a:lnT w="12700" cap="flat" cmpd="sng" algn="ctr">
+                      <a:solidFill>
+                        <a:schemeClr val="tx1"/>
+                      </a:solidFill>
+                      <a:prstDash val="solid"/>
+                      <a:round/>
+                      <a:headEnd type="none" w="med" len="med"/>
+                      <a:tailEnd type="none" w="med" len="med"/>
+                    </a:lnT>
+                    <a:lnB w="12700" cap="flat" cmpd="sng" algn="ctr">
+                      <a:solidFill>
+                        <a:schemeClr val="tx1"/>
+                      </a:solidFill>
+                      <a:prstDash val="solid"/>
+                      <a:round/>
+                      <a:headEnd type="none" w="med" len="med"/>
+                      <a:tailEnd type="none" w="med" len="med"/>
+                    </a:lnB>
+                    <a:solidFill>
+                      <a:schemeClr val="bg1"/>
+                    </a:solidFill>
+                  </a:tcPr>
+                </a:tc>
+                <a:extLst>
+                  <a:ext uri="{0D108BD9-81ED-4DB2-BD59-A6C34878D82A}">
+                    <a16:rowId xmlns:a16="http://schemas.microsoft.com/office/drawing/2014/main" val="602478295"/>
+                  </a:ext>
+                </a:extLst>
+              </a:tr>
+            </a:tbl>
+          </a:graphicData>
+        </a:graphic>
+      </p:graphicFrame>
+      <p:sp>
+        <p:nvSpPr>
+          <p:cNvPr id="17" name="TextBox 16">
+            <a:extLst>
+              <a:ext uri="{FF2B5EF4-FFF2-40B4-BE49-F238E27FC236}">
+                <a16:creationId xmlns:a16="http://schemas.microsoft.com/office/drawing/2014/main" id="{90EE5794-17A2-4FF5-A4D5-C25441C749CA}"/>
+              </a:ext>
+            </a:extLst>
+          </p:cNvPr>
+          <p:cNvSpPr txBox="1"/>
+          <p:nvPr/>
+        </p:nvSpPr>
+        <p:spPr>
+          <a:xfrm>
+            <a:off x="9543127" y="3850824"/>
+            <a:ext cx="1242648" cy="584775"/>
+          </a:xfrm>
+          <a:prstGeom prst="rect">
+            <a:avLst/>
+          </a:prstGeom>
+          <a:noFill/>
+        </p:spPr>
+        <p:txBody>
+          <a:bodyPr wrap="none" rtlCol="0">
+            <a:spAutoFit/>
+          </a:bodyPr>
+          <a:lstStyle/>
+          <a:p>
+            <a:pPr algn="ctr"/>
+            <a:r>
+              <a:rPr lang="ko-KR" altLang="en-US" sz="3200" b="1" dirty="0">
+                <a:solidFill>
+                  <a:srgbClr val="C00000"/>
+                </a:solidFill>
+              </a:rPr>
+              <a:t>전략</a:t>
+            </a:r>
+            <a:r>
+              <a:rPr lang="en-US" altLang="ko-KR" sz="3200" b="1" dirty="0">
+                <a:solidFill>
+                  <a:srgbClr val="C00000"/>
+                </a:solidFill>
+              </a:rPr>
+              <a:t>2</a:t>
+            </a:r>
+            <a:endParaRPr lang="ko-KR" altLang="en-US" sz="3200" b="1" dirty="0">
+              <a:solidFill>
+                <a:srgbClr val="C00000"/>
+              </a:solidFill>
+            </a:endParaRPr>
+          </a:p>
+        </p:txBody>
+      </p:sp>
+      <p:cxnSp>
+        <p:nvCxnSpPr>
+          <p:cNvPr id="24" name="직선 화살표 연결선 23">
+            <a:extLst>
+              <a:ext uri="{FF2B5EF4-FFF2-40B4-BE49-F238E27FC236}">
+                <a16:creationId xmlns:a16="http://schemas.microsoft.com/office/drawing/2014/main" id="{9AA0C556-5A7E-4972-BBE3-35710247C2CF}"/>
+              </a:ext>
+            </a:extLst>
+          </p:cNvPr>
+          <p:cNvCxnSpPr>
+            <a:cxnSpLocks/>
+            <a:stCxn id="15" idx="0"/>
+            <a:endCxn id="9" idx="2"/>
+          </p:cNvCxnSpPr>
+          <p:nvPr/>
+        </p:nvCxnSpPr>
+        <p:spPr>
+          <a:xfrm rot="5400000" flipH="1" flipV="1">
+            <a:off x="6642742" y="2253758"/>
+            <a:ext cx="1429936" cy="1764197"/>
+          </a:xfrm>
+          <a:prstGeom prst="bentConnector3">
+            <a:avLst>
+              <a:gd name="adj1" fmla="val 50000"/>
+            </a:avLst>
+          </a:prstGeom>
+          <a:ln w="38100">
+            <a:prstDash val="dash"/>
+            <a:tailEnd type="triangle" w="lg" len="lg"/>
+          </a:ln>
+        </p:spPr>
+        <p:style>
+          <a:lnRef idx="1">
+            <a:schemeClr val="accent1"/>
+          </a:lnRef>
+          <a:fillRef idx="0">
+            <a:schemeClr val="accent1"/>
+          </a:fillRef>
+          <a:effectRef idx="0">
+            <a:schemeClr val="accent1"/>
+          </a:effectRef>
+          <a:fontRef idx="minor">
+            <a:schemeClr val="tx1"/>
+          </a:fontRef>
+        </p:style>
+      </p:cxnSp>
+      <p:cxnSp>
+        <p:nvCxnSpPr>
+          <p:cNvPr id="30" name="직선 화살표 연결선 23">
+            <a:extLst>
+              <a:ext uri="{FF2B5EF4-FFF2-40B4-BE49-F238E27FC236}">
+                <a16:creationId xmlns:a16="http://schemas.microsoft.com/office/drawing/2014/main" id="{1CEE3B9E-1875-477F-98BF-BE8904129CE0}"/>
+              </a:ext>
+            </a:extLst>
+          </p:cNvPr>
+          <p:cNvCxnSpPr>
+            <a:cxnSpLocks/>
+            <a:stCxn id="17" idx="0"/>
+            <a:endCxn id="9" idx="2"/>
+          </p:cNvCxnSpPr>
+          <p:nvPr/>
+        </p:nvCxnSpPr>
+        <p:spPr>
+          <a:xfrm rot="16200000" flipV="1">
+            <a:off x="8487162" y="2173535"/>
+            <a:ext cx="1429936" cy="1924642"/>
+          </a:xfrm>
+          <a:prstGeom prst="bentConnector3">
+            <a:avLst>
+              <a:gd name="adj1" fmla="val 50000"/>
+            </a:avLst>
+          </a:prstGeom>
+          <a:ln w="38100">
+            <a:prstDash val="dash"/>
+            <a:tailEnd type="triangle" w="lg" len="lg"/>
+          </a:ln>
+        </p:spPr>
+        <p:style>
+          <a:lnRef idx="1">
+            <a:schemeClr val="accent1"/>
+          </a:lnRef>
+          <a:fillRef idx="0">
+            <a:schemeClr val="accent1"/>
+          </a:fillRef>
+          <a:effectRef idx="0">
+            <a:schemeClr val="accent1"/>
+          </a:effectRef>
+          <a:fontRef idx="minor">
+            <a:schemeClr val="tx1"/>
+          </a:fontRef>
+        </p:style>
+      </p:cxnSp>
+      <p:sp>
+        <p:nvSpPr>
+          <p:cNvPr id="33" name="TextBox 32">
+            <a:extLst>
+              <a:ext uri="{FF2B5EF4-FFF2-40B4-BE49-F238E27FC236}">
+                <a16:creationId xmlns:a16="http://schemas.microsoft.com/office/drawing/2014/main" id="{BE38FCB0-9DD6-443F-AFAE-D5AF310174A2}"/>
+              </a:ext>
+            </a:extLst>
+          </p:cNvPr>
+          <p:cNvSpPr txBox="1"/>
+          <p:nvPr/>
+        </p:nvSpPr>
+        <p:spPr>
+          <a:xfrm>
+            <a:off x="4680535" y="1245462"/>
+            <a:ext cx="646331" cy="369332"/>
+          </a:xfrm>
+          <a:prstGeom prst="rect">
+            <a:avLst/>
+          </a:prstGeom>
+          <a:noFill/>
+        </p:spPr>
+        <p:txBody>
+          <a:bodyPr wrap="none" rtlCol="0">
+            <a:spAutoFit/>
+          </a:bodyPr>
+          <a:lstStyle/>
+          <a:p>
+            <a:pPr algn="ctr"/>
+            <a:r>
+              <a:rPr lang="ko-KR" altLang="en-US"/>
+              <a:t>의존</a:t>
+            </a:r>
+          </a:p>
+        </p:txBody>
+      </p:sp>
+      <p:sp>
+        <p:nvSpPr>
+          <p:cNvPr id="34" name="TextBox 33">
+            <a:extLst>
+              <a:ext uri="{FF2B5EF4-FFF2-40B4-BE49-F238E27FC236}">
+                <a16:creationId xmlns:a16="http://schemas.microsoft.com/office/drawing/2014/main" id="{D20B5F3F-0E37-416E-B10D-51DAF0BC32A4}"/>
+              </a:ext>
+            </a:extLst>
+          </p:cNvPr>
+          <p:cNvSpPr txBox="1"/>
+          <p:nvPr/>
+        </p:nvSpPr>
+        <p:spPr>
+          <a:xfrm>
+            <a:off x="7904140" y="3135856"/>
+            <a:ext cx="646331" cy="369332"/>
+          </a:xfrm>
+          <a:prstGeom prst="rect">
+            <a:avLst/>
+          </a:prstGeom>
+          <a:noFill/>
+        </p:spPr>
+        <p:txBody>
+          <a:bodyPr wrap="none" rtlCol="0">
+            <a:spAutoFit/>
+          </a:bodyPr>
+          <a:lstStyle/>
+          <a:p>
+            <a:pPr algn="ctr"/>
+            <a:r>
+              <a:rPr lang="ko-KR" altLang="en-US" dirty="0"/>
+              <a:t>상속</a:t>
+            </a:r>
+          </a:p>
+        </p:txBody>
+      </p:sp>
+    </p:spTree>
+    <p:extLst>
+      <p:ext uri="{BB962C8B-B14F-4D97-AF65-F5344CB8AC3E}">
+        <p14:creationId xmlns:p14="http://schemas.microsoft.com/office/powerpoint/2010/main" val="460652874"/>
       </p:ext>
     </p:extLst>
   </p:cSld>

--- a/Images/이미지 그리기용 ppt.pptx
+++ b/Images/이미지 그리기용 ppt.pptx
@@ -9,6 +9,7 @@
     <p:sldId id="257" r:id="rId3"/>
     <p:sldId id="256" r:id="rId4"/>
     <p:sldId id="259" r:id="rId5"/>
+    <p:sldId id="260" r:id="rId6"/>
   </p:sldIdLst>
   <p:sldSz cx="12192000" cy="6858000"/>
   <p:notesSz cx="6858000" cy="9144000"/>
@@ -5996,6 +5997,1218 @@
 </p:sld>
 </file>
 
+<file path=ppt/slides/slide5.xml><?xml version="1.0" encoding="utf-8"?>
+<p:sld xmlns:a="http://schemas.openxmlformats.org/drawingml/2006/main" xmlns:r="http://schemas.openxmlformats.org/officeDocument/2006/relationships" xmlns:p="http://schemas.openxmlformats.org/presentationml/2006/main">
+  <p:cSld>
+    <p:spTree>
+      <p:nvGrpSpPr>
+        <p:cNvPr id="1" name=""/>
+        <p:cNvGrpSpPr/>
+        <p:nvPr/>
+      </p:nvGrpSpPr>
+      <p:grpSpPr>
+        <a:xfrm>
+          <a:off x="0" y="0"/>
+          <a:ext cx="0" cy="0"/>
+          <a:chOff x="0" y="0"/>
+          <a:chExt cx="0" cy="0"/>
+        </a:xfrm>
+      </p:grpSpPr>
+      <p:graphicFrame>
+        <p:nvGraphicFramePr>
+          <p:cNvPr id="7" name="표 7">
+            <a:extLst>
+              <a:ext uri="{FF2B5EF4-FFF2-40B4-BE49-F238E27FC236}">
+                <a16:creationId xmlns:a16="http://schemas.microsoft.com/office/drawing/2014/main" id="{FB581C6E-B81A-492F-9254-F73AEBB5C2F6}"/>
+              </a:ext>
+            </a:extLst>
+          </p:cNvPr>
+          <p:cNvGraphicFramePr>
+            <a:graphicFrameLocks noGrp="1"/>
+          </p:cNvGraphicFramePr>
+          <p:nvPr>
+            <p:extLst>
+              <p:ext uri="{D42A27DB-BD31-4B8C-83A1-F6EECF244321}">
+                <p14:modId xmlns:p14="http://schemas.microsoft.com/office/powerpoint/2010/main" val="2823399321"/>
+              </p:ext>
+            </p:extLst>
+          </p:nvPr>
+        </p:nvGraphicFramePr>
+        <p:xfrm>
+          <a:off x="191344" y="808700"/>
+          <a:ext cx="3528392" cy="1612188"/>
+        </p:xfrm>
+        <a:graphic>
+          <a:graphicData uri="http://schemas.openxmlformats.org/drawingml/2006/table">
+            <a:tbl>
+              <a:tblPr firstRow="1" bandRow="1">
+                <a:effectLst>
+                  <a:outerShdw blurRad="50800" dist="38100" dir="2700000" algn="tl" rotWithShape="0">
+                    <a:prstClr val="black">
+                      <a:alpha val="40000"/>
+                    </a:prstClr>
+                  </a:outerShdw>
+                </a:effectLst>
+                <a:tableStyleId>{F5AB1C69-6EDB-4FF4-983F-18BD219EF322}</a:tableStyleId>
+              </a:tblPr>
+              <a:tblGrid>
+                <a:gridCol w="3528392">
+                  <a:extLst>
+                    <a:ext uri="{9D8B030D-6E8A-4147-A177-3AD203B41FA5}">
+                      <a16:colId xmlns:a16="http://schemas.microsoft.com/office/drawing/2014/main" val="3811916345"/>
+                    </a:ext>
+                  </a:extLst>
+                </a:gridCol>
+              </a:tblGrid>
+              <a:tr h="540060">
+                <a:tc>
+                  <a:txBody>
+                    <a:bodyPr/>
+                    <a:lstStyle/>
+                    <a:p>
+                      <a:pPr algn="ctr" latinLnBrk="1"/>
+                      <a:endParaRPr lang="en-US" altLang="ko-KR" dirty="0">
+                        <a:solidFill>
+                          <a:schemeClr val="tx1"/>
+                        </a:solidFill>
+                      </a:endParaRPr>
+                    </a:p>
+                    <a:p>
+                      <a:pPr algn="ctr" latinLnBrk="1"/>
+                      <a:r>
+                        <a:rPr lang="en-US" altLang="ko-KR" dirty="0">
+                          <a:solidFill>
+                            <a:schemeClr val="tx1"/>
+                          </a:solidFill>
+                        </a:rPr>
+                        <a:t>Context</a:t>
+                      </a:r>
+                      <a:endParaRPr lang="ko-KR" altLang="en-US" dirty="0">
+                        <a:solidFill>
+                          <a:schemeClr val="tx1"/>
+                        </a:solidFill>
+                      </a:endParaRPr>
+                    </a:p>
+                  </a:txBody>
+                  <a:tcPr anchor="ctr">
+                    <a:lnL w="12700" cap="flat" cmpd="sng" algn="ctr">
+                      <a:solidFill>
+                        <a:schemeClr val="tx1"/>
+                      </a:solidFill>
+                      <a:prstDash val="solid"/>
+                      <a:round/>
+                      <a:headEnd type="none" w="med" len="med"/>
+                      <a:tailEnd type="none" w="med" len="med"/>
+                    </a:lnL>
+                    <a:lnR w="12700" cap="flat" cmpd="sng" algn="ctr">
+                      <a:solidFill>
+                        <a:schemeClr val="tx1"/>
+                      </a:solidFill>
+                      <a:prstDash val="solid"/>
+                      <a:round/>
+                      <a:headEnd type="none" w="med" len="med"/>
+                      <a:tailEnd type="none" w="med" len="med"/>
+                    </a:lnR>
+                    <a:lnT w="12700" cap="flat" cmpd="sng" algn="ctr">
+                      <a:solidFill>
+                        <a:schemeClr val="tx1"/>
+                      </a:solidFill>
+                      <a:prstDash val="solid"/>
+                      <a:round/>
+                      <a:headEnd type="none" w="med" len="med"/>
+                      <a:tailEnd type="none" w="med" len="med"/>
+                    </a:lnT>
+                    <a:lnB w="12700" cap="flat" cmpd="sng" algn="ctr">
+                      <a:solidFill>
+                        <a:schemeClr val="tx1"/>
+                      </a:solidFill>
+                      <a:prstDash val="solid"/>
+                      <a:round/>
+                      <a:headEnd type="none" w="med" len="med"/>
+                      <a:tailEnd type="none" w="med" len="med"/>
+                    </a:lnB>
+                    <a:solidFill>
+                      <a:schemeClr val="bg1"/>
+                    </a:solidFill>
+                  </a:tcPr>
+                </a:tc>
+                <a:extLst>
+                  <a:ext uri="{0D108BD9-81ED-4DB2-BD59-A6C34878D82A}">
+                    <a16:rowId xmlns:a16="http://schemas.microsoft.com/office/drawing/2014/main" val="4033184119"/>
+                  </a:ext>
+                </a:extLst>
+              </a:tr>
+              <a:tr h="972108">
+                <a:tc>
+                  <a:txBody>
+                    <a:bodyPr/>
+                    <a:lstStyle/>
+                    <a:p>
+                      <a:pPr algn="ctr" latinLnBrk="1"/>
+                      <a:endParaRPr lang="ko-KR" altLang="en-US" dirty="0"/>
+                    </a:p>
+                  </a:txBody>
+                  <a:tcPr anchor="ctr">
+                    <a:lnL w="12700" cap="flat" cmpd="sng" algn="ctr">
+                      <a:solidFill>
+                        <a:schemeClr val="tx1"/>
+                      </a:solidFill>
+                      <a:prstDash val="solid"/>
+                      <a:round/>
+                      <a:headEnd type="none" w="med" len="med"/>
+                      <a:tailEnd type="none" w="med" len="med"/>
+                    </a:lnL>
+                    <a:lnR w="12700" cap="flat" cmpd="sng" algn="ctr">
+                      <a:solidFill>
+                        <a:schemeClr val="tx1"/>
+                      </a:solidFill>
+                      <a:prstDash val="solid"/>
+                      <a:round/>
+                      <a:headEnd type="none" w="med" len="med"/>
+                      <a:tailEnd type="none" w="med" len="med"/>
+                    </a:lnR>
+                    <a:lnT w="12700" cap="flat" cmpd="sng" algn="ctr">
+                      <a:solidFill>
+                        <a:schemeClr val="tx1"/>
+                      </a:solidFill>
+                      <a:prstDash val="solid"/>
+                      <a:round/>
+                      <a:headEnd type="none" w="med" len="med"/>
+                      <a:tailEnd type="none" w="med" len="med"/>
+                    </a:lnT>
+                    <a:lnB w="12700" cap="flat" cmpd="sng" algn="ctr">
+                      <a:solidFill>
+                        <a:schemeClr val="tx1"/>
+                      </a:solidFill>
+                      <a:prstDash val="solid"/>
+                      <a:round/>
+                      <a:headEnd type="none" w="med" len="med"/>
+                      <a:tailEnd type="none" w="med" len="med"/>
+                    </a:lnB>
+                    <a:solidFill>
+                      <a:schemeClr val="bg1"/>
+                    </a:solidFill>
+                  </a:tcPr>
+                </a:tc>
+                <a:extLst>
+                  <a:ext uri="{0D108BD9-81ED-4DB2-BD59-A6C34878D82A}">
+                    <a16:rowId xmlns:a16="http://schemas.microsoft.com/office/drawing/2014/main" val="602478295"/>
+                  </a:ext>
+                </a:extLst>
+              </a:tr>
+            </a:tbl>
+          </a:graphicData>
+        </a:graphic>
+      </p:graphicFrame>
+      <p:sp>
+        <p:nvSpPr>
+          <p:cNvPr id="8" name="TextBox 7">
+            <a:extLst>
+              <a:ext uri="{FF2B5EF4-FFF2-40B4-BE49-F238E27FC236}">
+                <a16:creationId xmlns:a16="http://schemas.microsoft.com/office/drawing/2014/main" id="{31FF894A-BF52-48D0-B435-3D046D972367}"/>
+              </a:ext>
+            </a:extLst>
+          </p:cNvPr>
+          <p:cNvSpPr txBox="1"/>
+          <p:nvPr/>
+        </p:nvSpPr>
+        <p:spPr>
+          <a:xfrm>
+            <a:off x="970331" y="226257"/>
+            <a:ext cx="1970412" cy="584775"/>
+          </a:xfrm>
+          <a:prstGeom prst="rect">
+            <a:avLst/>
+          </a:prstGeom>
+          <a:noFill/>
+        </p:spPr>
+        <p:txBody>
+          <a:bodyPr wrap="none" rtlCol="0">
+            <a:spAutoFit/>
+          </a:bodyPr>
+          <a:lstStyle/>
+          <a:p>
+            <a:pPr algn="ctr"/>
+            <a:r>
+              <a:rPr lang="ko-KR" altLang="en-US" sz="3200" b="1" dirty="0">
+                <a:solidFill>
+                  <a:srgbClr val="C00000"/>
+                </a:solidFill>
+              </a:rPr>
+              <a:t>상태 주인</a:t>
+            </a:r>
+          </a:p>
+        </p:txBody>
+      </p:sp>
+      <p:graphicFrame>
+        <p:nvGraphicFramePr>
+          <p:cNvPr id="9" name="표 7">
+            <a:extLst>
+              <a:ext uri="{FF2B5EF4-FFF2-40B4-BE49-F238E27FC236}">
+                <a16:creationId xmlns:a16="http://schemas.microsoft.com/office/drawing/2014/main" id="{1B01C5E1-0AFC-4CDC-AD05-7F0430C65F7A}"/>
+              </a:ext>
+            </a:extLst>
+          </p:cNvPr>
+          <p:cNvGraphicFramePr>
+            <a:graphicFrameLocks noGrp="1"/>
+          </p:cNvGraphicFramePr>
+          <p:nvPr>
+            <p:extLst>
+              <p:ext uri="{D42A27DB-BD31-4B8C-83A1-F6EECF244321}">
+                <p14:modId xmlns:p14="http://schemas.microsoft.com/office/powerpoint/2010/main" val="2760499461"/>
+              </p:ext>
+            </p:extLst>
+          </p:nvPr>
+        </p:nvGraphicFramePr>
+        <p:xfrm>
+          <a:off x="6475613" y="808700"/>
+          <a:ext cx="3528392" cy="1612188"/>
+        </p:xfrm>
+        <a:graphic>
+          <a:graphicData uri="http://schemas.openxmlformats.org/drawingml/2006/table">
+            <a:tbl>
+              <a:tblPr firstRow="1" bandRow="1">
+                <a:effectLst>
+                  <a:outerShdw blurRad="50800" dist="38100" dir="2700000" algn="tl" rotWithShape="0">
+                    <a:prstClr val="black">
+                      <a:alpha val="40000"/>
+                    </a:prstClr>
+                  </a:outerShdw>
+                </a:effectLst>
+                <a:tableStyleId>{F5AB1C69-6EDB-4FF4-983F-18BD219EF322}</a:tableStyleId>
+              </a:tblPr>
+              <a:tblGrid>
+                <a:gridCol w="3528392">
+                  <a:extLst>
+                    <a:ext uri="{9D8B030D-6E8A-4147-A177-3AD203B41FA5}">
+                      <a16:colId xmlns:a16="http://schemas.microsoft.com/office/drawing/2014/main" val="3811916345"/>
+                    </a:ext>
+                  </a:extLst>
+                </a:gridCol>
+              </a:tblGrid>
+              <a:tr h="540060">
+                <a:tc>
+                  <a:txBody>
+                    <a:bodyPr/>
+                    <a:lstStyle/>
+                    <a:p>
+                      <a:pPr algn="ctr" latinLnBrk="1"/>
+                      <a:r>
+                        <a:rPr lang="en-US" altLang="ko-KR" dirty="0">
+                          <a:solidFill>
+                            <a:schemeClr val="tx1"/>
+                          </a:solidFill>
+                        </a:rPr>
+                        <a:t>&lt;&lt;interface&gt;&gt;</a:t>
+                      </a:r>
+                    </a:p>
+                    <a:p>
+                      <a:pPr algn="ctr" latinLnBrk="1"/>
+                      <a:r>
+                        <a:rPr lang="en-US" altLang="ko-KR" dirty="0">
+                          <a:solidFill>
+                            <a:schemeClr val="tx1"/>
+                          </a:solidFill>
+                        </a:rPr>
+                        <a:t>State</a:t>
+                      </a:r>
+                      <a:endParaRPr lang="ko-KR" altLang="en-US" dirty="0">
+                        <a:solidFill>
+                          <a:schemeClr val="tx1"/>
+                        </a:solidFill>
+                      </a:endParaRPr>
+                    </a:p>
+                  </a:txBody>
+                  <a:tcPr anchor="ctr">
+                    <a:lnL w="12700" cap="flat" cmpd="sng" algn="ctr">
+                      <a:solidFill>
+                        <a:schemeClr val="tx1"/>
+                      </a:solidFill>
+                      <a:prstDash val="solid"/>
+                      <a:round/>
+                      <a:headEnd type="none" w="med" len="med"/>
+                      <a:tailEnd type="none" w="med" len="med"/>
+                    </a:lnL>
+                    <a:lnR w="12700" cap="flat" cmpd="sng" algn="ctr">
+                      <a:solidFill>
+                        <a:schemeClr val="tx1"/>
+                      </a:solidFill>
+                      <a:prstDash val="solid"/>
+                      <a:round/>
+                      <a:headEnd type="none" w="med" len="med"/>
+                      <a:tailEnd type="none" w="med" len="med"/>
+                    </a:lnR>
+                    <a:lnT w="12700" cap="flat" cmpd="sng" algn="ctr">
+                      <a:solidFill>
+                        <a:schemeClr val="tx1"/>
+                      </a:solidFill>
+                      <a:prstDash val="solid"/>
+                      <a:round/>
+                      <a:headEnd type="none" w="med" len="med"/>
+                      <a:tailEnd type="none" w="med" len="med"/>
+                    </a:lnT>
+                    <a:lnB w="12700" cap="flat" cmpd="sng" algn="ctr">
+                      <a:solidFill>
+                        <a:schemeClr val="tx1"/>
+                      </a:solidFill>
+                      <a:prstDash val="solid"/>
+                      <a:round/>
+                      <a:headEnd type="none" w="med" len="med"/>
+                      <a:tailEnd type="none" w="med" len="med"/>
+                    </a:lnB>
+                    <a:solidFill>
+                      <a:schemeClr val="bg1"/>
+                    </a:solidFill>
+                  </a:tcPr>
+                </a:tc>
+                <a:extLst>
+                  <a:ext uri="{0D108BD9-81ED-4DB2-BD59-A6C34878D82A}">
+                    <a16:rowId xmlns:a16="http://schemas.microsoft.com/office/drawing/2014/main" val="4033184119"/>
+                  </a:ext>
+                </a:extLst>
+              </a:tr>
+              <a:tr h="972108">
+                <a:tc>
+                  <a:txBody>
+                    <a:bodyPr/>
+                    <a:lstStyle/>
+                    <a:p>
+                      <a:pPr algn="ctr" latinLnBrk="1"/>
+                      <a:r>
+                        <a:rPr lang="en-US" altLang="ko-KR" dirty="0"/>
+                        <a:t>Operation()</a:t>
+                      </a:r>
+                      <a:endParaRPr lang="ko-KR" altLang="en-US" dirty="0"/>
+                    </a:p>
+                  </a:txBody>
+                  <a:tcPr anchor="ctr">
+                    <a:lnL w="12700" cap="flat" cmpd="sng" algn="ctr">
+                      <a:solidFill>
+                        <a:schemeClr val="tx1"/>
+                      </a:solidFill>
+                      <a:prstDash val="solid"/>
+                      <a:round/>
+                      <a:headEnd type="none" w="med" len="med"/>
+                      <a:tailEnd type="none" w="med" len="med"/>
+                    </a:lnL>
+                    <a:lnR w="12700" cap="flat" cmpd="sng" algn="ctr">
+                      <a:solidFill>
+                        <a:schemeClr val="tx1"/>
+                      </a:solidFill>
+                      <a:prstDash val="solid"/>
+                      <a:round/>
+                      <a:headEnd type="none" w="med" len="med"/>
+                      <a:tailEnd type="none" w="med" len="med"/>
+                    </a:lnR>
+                    <a:lnT w="12700" cap="flat" cmpd="sng" algn="ctr">
+                      <a:solidFill>
+                        <a:schemeClr val="tx1"/>
+                      </a:solidFill>
+                      <a:prstDash val="solid"/>
+                      <a:round/>
+                      <a:headEnd type="none" w="med" len="med"/>
+                      <a:tailEnd type="none" w="med" len="med"/>
+                    </a:lnT>
+                    <a:lnB w="12700" cap="flat" cmpd="sng" algn="ctr">
+                      <a:solidFill>
+                        <a:schemeClr val="tx1"/>
+                      </a:solidFill>
+                      <a:prstDash val="solid"/>
+                      <a:round/>
+                      <a:headEnd type="none" w="med" len="med"/>
+                      <a:tailEnd type="none" w="med" len="med"/>
+                    </a:lnB>
+                    <a:solidFill>
+                      <a:schemeClr val="bg1"/>
+                    </a:solidFill>
+                  </a:tcPr>
+                </a:tc>
+                <a:extLst>
+                  <a:ext uri="{0D108BD9-81ED-4DB2-BD59-A6C34878D82A}">
+                    <a16:rowId xmlns:a16="http://schemas.microsoft.com/office/drawing/2014/main" val="602478295"/>
+                  </a:ext>
+                </a:extLst>
+              </a:tr>
+            </a:tbl>
+          </a:graphicData>
+        </a:graphic>
+      </p:graphicFrame>
+      <p:sp>
+        <p:nvSpPr>
+          <p:cNvPr id="10" name="TextBox 9">
+            <a:extLst>
+              <a:ext uri="{FF2B5EF4-FFF2-40B4-BE49-F238E27FC236}">
+                <a16:creationId xmlns:a16="http://schemas.microsoft.com/office/drawing/2014/main" id="{864A660C-667A-4B3C-BC5C-0C577B3304A4}"/>
+              </a:ext>
+            </a:extLst>
+          </p:cNvPr>
+          <p:cNvSpPr txBox="1"/>
+          <p:nvPr/>
+        </p:nvSpPr>
+        <p:spPr>
+          <a:xfrm>
+            <a:off x="7179262" y="222412"/>
+            <a:ext cx="2121094" cy="584775"/>
+          </a:xfrm>
+          <a:prstGeom prst="rect">
+            <a:avLst/>
+          </a:prstGeom>
+          <a:noFill/>
+        </p:spPr>
+        <p:txBody>
+          <a:bodyPr wrap="none" rtlCol="0">
+            <a:spAutoFit/>
+          </a:bodyPr>
+          <a:lstStyle/>
+          <a:p>
+            <a:pPr algn="ctr"/>
+            <a:r>
+              <a:rPr lang="ko-KR" altLang="en-US" sz="3200" b="1" dirty="0">
+                <a:solidFill>
+                  <a:srgbClr val="C00000"/>
+                </a:solidFill>
+              </a:rPr>
+              <a:t>상태</a:t>
+            </a:r>
+            <a:r>
+              <a:rPr lang="en-US" altLang="ko-KR" sz="3200" b="1" dirty="0">
+                <a:solidFill>
+                  <a:srgbClr val="C00000"/>
+                </a:solidFill>
+              </a:rPr>
+              <a:t>(</a:t>
+            </a:r>
+            <a:r>
+              <a:rPr lang="ko-KR" altLang="en-US" sz="3200" b="1" dirty="0">
+                <a:solidFill>
+                  <a:srgbClr val="C00000"/>
+                </a:solidFill>
+              </a:rPr>
+              <a:t>추상</a:t>
+            </a:r>
+            <a:r>
+              <a:rPr lang="en-US" altLang="ko-KR" sz="3200" b="1" dirty="0">
+                <a:solidFill>
+                  <a:srgbClr val="C00000"/>
+                </a:solidFill>
+              </a:rPr>
+              <a:t>)</a:t>
+            </a:r>
+            <a:endParaRPr lang="ko-KR" altLang="en-US" sz="3200" b="1" dirty="0">
+              <a:solidFill>
+                <a:srgbClr val="C00000"/>
+              </a:solidFill>
+            </a:endParaRPr>
+          </a:p>
+        </p:txBody>
+      </p:sp>
+      <p:cxnSp>
+        <p:nvCxnSpPr>
+          <p:cNvPr id="11" name="직선 화살표 연결선 10">
+            <a:extLst>
+              <a:ext uri="{FF2B5EF4-FFF2-40B4-BE49-F238E27FC236}">
+                <a16:creationId xmlns:a16="http://schemas.microsoft.com/office/drawing/2014/main" id="{E1BD7246-8C9F-4278-8726-FE2FBE6B549F}"/>
+              </a:ext>
+            </a:extLst>
+          </p:cNvPr>
+          <p:cNvCxnSpPr>
+            <a:cxnSpLocks/>
+            <a:stCxn id="7" idx="3"/>
+            <a:endCxn id="9" idx="1"/>
+          </p:cNvCxnSpPr>
+          <p:nvPr/>
+        </p:nvCxnSpPr>
+        <p:spPr>
+          <a:xfrm>
+            <a:off x="3719736" y="1614794"/>
+            <a:ext cx="2755877" cy="0"/>
+          </a:xfrm>
+          <a:prstGeom prst="straightConnector1">
+            <a:avLst/>
+          </a:prstGeom>
+          <a:ln w="38100">
+            <a:headEnd type="diamond" w="lg" len="lg"/>
+            <a:tailEnd type="arrow" w="lg" len="lg"/>
+          </a:ln>
+        </p:spPr>
+        <p:style>
+          <a:lnRef idx="1">
+            <a:schemeClr val="accent1"/>
+          </a:lnRef>
+          <a:fillRef idx="0">
+            <a:schemeClr val="accent1"/>
+          </a:fillRef>
+          <a:effectRef idx="0">
+            <a:schemeClr val="accent1"/>
+          </a:effectRef>
+          <a:fontRef idx="minor">
+            <a:schemeClr val="tx1"/>
+          </a:fontRef>
+        </p:style>
+      </p:cxnSp>
+      <p:graphicFrame>
+        <p:nvGraphicFramePr>
+          <p:cNvPr id="14" name="표 7">
+            <a:extLst>
+              <a:ext uri="{FF2B5EF4-FFF2-40B4-BE49-F238E27FC236}">
+                <a16:creationId xmlns:a16="http://schemas.microsoft.com/office/drawing/2014/main" id="{BCED459B-80DA-471B-96DA-3293A37D0B03}"/>
+              </a:ext>
+            </a:extLst>
+          </p:cNvPr>
+          <p:cNvGraphicFramePr>
+            <a:graphicFrameLocks noGrp="1"/>
+          </p:cNvGraphicFramePr>
+          <p:nvPr>
+            <p:extLst>
+              <p:ext uri="{D42A27DB-BD31-4B8C-83A1-F6EECF244321}">
+                <p14:modId xmlns:p14="http://schemas.microsoft.com/office/powerpoint/2010/main" val="1971394487"/>
+              </p:ext>
+            </p:extLst>
+          </p:nvPr>
+        </p:nvGraphicFramePr>
+        <p:xfrm>
+          <a:off x="4711417" y="4437112"/>
+          <a:ext cx="3528392" cy="1612188"/>
+        </p:xfrm>
+        <a:graphic>
+          <a:graphicData uri="http://schemas.openxmlformats.org/drawingml/2006/table">
+            <a:tbl>
+              <a:tblPr firstRow="1" bandRow="1">
+                <a:effectLst>
+                  <a:outerShdw blurRad="50800" dist="38100" dir="2700000" algn="tl" rotWithShape="0">
+                    <a:prstClr val="black">
+                      <a:alpha val="40000"/>
+                    </a:prstClr>
+                  </a:outerShdw>
+                </a:effectLst>
+                <a:tableStyleId>{F5AB1C69-6EDB-4FF4-983F-18BD219EF322}</a:tableStyleId>
+              </a:tblPr>
+              <a:tblGrid>
+                <a:gridCol w="3528392">
+                  <a:extLst>
+                    <a:ext uri="{9D8B030D-6E8A-4147-A177-3AD203B41FA5}">
+                      <a16:colId xmlns:a16="http://schemas.microsoft.com/office/drawing/2014/main" val="3811916345"/>
+                    </a:ext>
+                  </a:extLst>
+                </a:gridCol>
+              </a:tblGrid>
+              <a:tr h="540060">
+                <a:tc>
+                  <a:txBody>
+                    <a:bodyPr/>
+                    <a:lstStyle/>
+                    <a:p>
+                      <a:pPr algn="ctr" latinLnBrk="1"/>
+                      <a:endParaRPr lang="en-US" altLang="ko-KR" dirty="0">
+                        <a:solidFill>
+                          <a:schemeClr val="tx1"/>
+                        </a:solidFill>
+                      </a:endParaRPr>
+                    </a:p>
+                    <a:p>
+                      <a:pPr algn="ctr" latinLnBrk="1"/>
+                      <a:r>
+                        <a:rPr lang="en-US" altLang="ko-KR" dirty="0">
+                          <a:solidFill>
+                            <a:schemeClr val="tx1"/>
+                          </a:solidFill>
+                        </a:rPr>
+                        <a:t>State1</a:t>
+                      </a:r>
+                      <a:endParaRPr lang="ko-KR" altLang="en-US" dirty="0">
+                        <a:solidFill>
+                          <a:schemeClr val="tx1"/>
+                        </a:solidFill>
+                      </a:endParaRPr>
+                    </a:p>
+                  </a:txBody>
+                  <a:tcPr anchor="ctr">
+                    <a:lnL w="12700" cap="flat" cmpd="sng" algn="ctr">
+                      <a:solidFill>
+                        <a:schemeClr val="tx1"/>
+                      </a:solidFill>
+                      <a:prstDash val="solid"/>
+                      <a:round/>
+                      <a:headEnd type="none" w="med" len="med"/>
+                      <a:tailEnd type="none" w="med" len="med"/>
+                    </a:lnL>
+                    <a:lnR w="12700" cap="flat" cmpd="sng" algn="ctr">
+                      <a:solidFill>
+                        <a:schemeClr val="tx1"/>
+                      </a:solidFill>
+                      <a:prstDash val="solid"/>
+                      <a:round/>
+                      <a:headEnd type="none" w="med" len="med"/>
+                      <a:tailEnd type="none" w="med" len="med"/>
+                    </a:lnR>
+                    <a:lnT w="12700" cap="flat" cmpd="sng" algn="ctr">
+                      <a:solidFill>
+                        <a:schemeClr val="tx1"/>
+                      </a:solidFill>
+                      <a:prstDash val="solid"/>
+                      <a:round/>
+                      <a:headEnd type="none" w="med" len="med"/>
+                      <a:tailEnd type="none" w="med" len="med"/>
+                    </a:lnT>
+                    <a:lnB w="12700" cap="flat" cmpd="sng" algn="ctr">
+                      <a:solidFill>
+                        <a:schemeClr val="tx1"/>
+                      </a:solidFill>
+                      <a:prstDash val="solid"/>
+                      <a:round/>
+                      <a:headEnd type="none" w="med" len="med"/>
+                      <a:tailEnd type="none" w="med" len="med"/>
+                    </a:lnB>
+                    <a:solidFill>
+                      <a:schemeClr val="bg1"/>
+                    </a:solidFill>
+                  </a:tcPr>
+                </a:tc>
+                <a:extLst>
+                  <a:ext uri="{0D108BD9-81ED-4DB2-BD59-A6C34878D82A}">
+                    <a16:rowId xmlns:a16="http://schemas.microsoft.com/office/drawing/2014/main" val="4033184119"/>
+                  </a:ext>
+                </a:extLst>
+              </a:tr>
+              <a:tr h="972108">
+                <a:tc>
+                  <a:txBody>
+                    <a:bodyPr/>
+                    <a:lstStyle/>
+                    <a:p>
+                      <a:pPr algn="ctr" latinLnBrk="1"/>
+                      <a:r>
+                        <a:rPr lang="en-US" altLang="ko-KR" dirty="0"/>
+                        <a:t>Operation()</a:t>
+                      </a:r>
+                      <a:endParaRPr lang="ko-KR" altLang="en-US" dirty="0"/>
+                    </a:p>
+                  </a:txBody>
+                  <a:tcPr anchor="ctr">
+                    <a:lnL w="12700" cap="flat" cmpd="sng" algn="ctr">
+                      <a:solidFill>
+                        <a:schemeClr val="tx1"/>
+                      </a:solidFill>
+                      <a:prstDash val="solid"/>
+                      <a:round/>
+                      <a:headEnd type="none" w="med" len="med"/>
+                      <a:tailEnd type="none" w="med" len="med"/>
+                    </a:lnL>
+                    <a:lnR w="12700" cap="flat" cmpd="sng" algn="ctr">
+                      <a:solidFill>
+                        <a:schemeClr val="tx1"/>
+                      </a:solidFill>
+                      <a:prstDash val="solid"/>
+                      <a:round/>
+                      <a:headEnd type="none" w="med" len="med"/>
+                      <a:tailEnd type="none" w="med" len="med"/>
+                    </a:lnR>
+                    <a:lnT w="12700" cap="flat" cmpd="sng" algn="ctr">
+                      <a:solidFill>
+                        <a:schemeClr val="tx1"/>
+                      </a:solidFill>
+                      <a:prstDash val="solid"/>
+                      <a:round/>
+                      <a:headEnd type="none" w="med" len="med"/>
+                      <a:tailEnd type="none" w="med" len="med"/>
+                    </a:lnT>
+                    <a:lnB w="12700" cap="flat" cmpd="sng" algn="ctr">
+                      <a:solidFill>
+                        <a:schemeClr val="tx1"/>
+                      </a:solidFill>
+                      <a:prstDash val="solid"/>
+                      <a:round/>
+                      <a:headEnd type="none" w="med" len="med"/>
+                      <a:tailEnd type="none" w="med" len="med"/>
+                    </a:lnB>
+                    <a:solidFill>
+                      <a:schemeClr val="bg1"/>
+                    </a:solidFill>
+                  </a:tcPr>
+                </a:tc>
+                <a:extLst>
+                  <a:ext uri="{0D108BD9-81ED-4DB2-BD59-A6C34878D82A}">
+                    <a16:rowId xmlns:a16="http://schemas.microsoft.com/office/drawing/2014/main" val="602478295"/>
+                  </a:ext>
+                </a:extLst>
+              </a:tr>
+            </a:tbl>
+          </a:graphicData>
+        </a:graphic>
+      </p:graphicFrame>
+      <p:sp>
+        <p:nvSpPr>
+          <p:cNvPr id="15" name="TextBox 14">
+            <a:extLst>
+              <a:ext uri="{FF2B5EF4-FFF2-40B4-BE49-F238E27FC236}">
+                <a16:creationId xmlns:a16="http://schemas.microsoft.com/office/drawing/2014/main" id="{F298EE77-9843-4496-9C14-160D30549AC5}"/>
+              </a:ext>
+            </a:extLst>
+          </p:cNvPr>
+          <p:cNvSpPr txBox="1"/>
+          <p:nvPr/>
+        </p:nvSpPr>
+        <p:spPr>
+          <a:xfrm>
+            <a:off x="5854287" y="3850824"/>
+            <a:ext cx="1242649" cy="584775"/>
+          </a:xfrm>
+          <a:prstGeom prst="rect">
+            <a:avLst/>
+          </a:prstGeom>
+          <a:noFill/>
+        </p:spPr>
+        <p:txBody>
+          <a:bodyPr wrap="none" rtlCol="0">
+            <a:spAutoFit/>
+          </a:bodyPr>
+          <a:lstStyle/>
+          <a:p>
+            <a:pPr algn="ctr"/>
+            <a:r>
+              <a:rPr lang="ko-KR" altLang="en-US" sz="3200" b="1" dirty="0">
+                <a:solidFill>
+                  <a:srgbClr val="C00000"/>
+                </a:solidFill>
+              </a:rPr>
+              <a:t>상태</a:t>
+            </a:r>
+            <a:r>
+              <a:rPr lang="en-US" altLang="ko-KR" sz="3200" b="1" dirty="0">
+                <a:solidFill>
+                  <a:srgbClr val="C00000"/>
+                </a:solidFill>
+              </a:rPr>
+              <a:t>1</a:t>
+            </a:r>
+            <a:endParaRPr lang="ko-KR" altLang="en-US" sz="3200" b="1" dirty="0">
+              <a:solidFill>
+                <a:srgbClr val="C00000"/>
+              </a:solidFill>
+            </a:endParaRPr>
+          </a:p>
+        </p:txBody>
+      </p:sp>
+      <p:graphicFrame>
+        <p:nvGraphicFramePr>
+          <p:cNvPr id="16" name="표 7">
+            <a:extLst>
+              <a:ext uri="{FF2B5EF4-FFF2-40B4-BE49-F238E27FC236}">
+                <a16:creationId xmlns:a16="http://schemas.microsoft.com/office/drawing/2014/main" id="{6B10C50A-726D-452A-AB17-57E5C575D561}"/>
+              </a:ext>
+            </a:extLst>
+          </p:cNvPr>
+          <p:cNvGraphicFramePr>
+            <a:graphicFrameLocks noGrp="1"/>
+          </p:cNvGraphicFramePr>
+          <p:nvPr>
+            <p:extLst>
+              <p:ext uri="{D42A27DB-BD31-4B8C-83A1-F6EECF244321}">
+                <p14:modId xmlns:p14="http://schemas.microsoft.com/office/powerpoint/2010/main" val="3809360027"/>
+              </p:ext>
+            </p:extLst>
+          </p:nvPr>
+        </p:nvGraphicFramePr>
+        <p:xfrm>
+          <a:off x="8400256" y="4437112"/>
+          <a:ext cx="3528392" cy="1612188"/>
+        </p:xfrm>
+        <a:graphic>
+          <a:graphicData uri="http://schemas.openxmlformats.org/drawingml/2006/table">
+            <a:tbl>
+              <a:tblPr firstRow="1" bandRow="1">
+                <a:effectLst>
+                  <a:outerShdw blurRad="50800" dist="38100" dir="2700000" algn="tl" rotWithShape="0">
+                    <a:prstClr val="black">
+                      <a:alpha val="40000"/>
+                    </a:prstClr>
+                  </a:outerShdw>
+                </a:effectLst>
+                <a:tableStyleId>{F5AB1C69-6EDB-4FF4-983F-18BD219EF322}</a:tableStyleId>
+              </a:tblPr>
+              <a:tblGrid>
+                <a:gridCol w="3528392">
+                  <a:extLst>
+                    <a:ext uri="{9D8B030D-6E8A-4147-A177-3AD203B41FA5}">
+                      <a16:colId xmlns:a16="http://schemas.microsoft.com/office/drawing/2014/main" val="3811916345"/>
+                    </a:ext>
+                  </a:extLst>
+                </a:gridCol>
+              </a:tblGrid>
+              <a:tr h="540060">
+                <a:tc>
+                  <a:txBody>
+                    <a:bodyPr/>
+                    <a:lstStyle/>
+                    <a:p>
+                      <a:pPr algn="ctr" latinLnBrk="1"/>
+                      <a:endParaRPr lang="en-US" altLang="ko-KR" dirty="0">
+                        <a:solidFill>
+                          <a:schemeClr val="tx1"/>
+                        </a:solidFill>
+                      </a:endParaRPr>
+                    </a:p>
+                    <a:p>
+                      <a:pPr algn="ctr" latinLnBrk="1"/>
+                      <a:r>
+                        <a:rPr lang="en-US" altLang="ko-KR" dirty="0">
+                          <a:solidFill>
+                            <a:schemeClr val="tx1"/>
+                          </a:solidFill>
+                        </a:rPr>
+                        <a:t>State2</a:t>
+                      </a:r>
+                      <a:endParaRPr lang="ko-KR" altLang="en-US" dirty="0">
+                        <a:solidFill>
+                          <a:schemeClr val="tx1"/>
+                        </a:solidFill>
+                      </a:endParaRPr>
+                    </a:p>
+                  </a:txBody>
+                  <a:tcPr anchor="ctr">
+                    <a:lnL w="12700" cap="flat" cmpd="sng" algn="ctr">
+                      <a:solidFill>
+                        <a:schemeClr val="tx1"/>
+                      </a:solidFill>
+                      <a:prstDash val="solid"/>
+                      <a:round/>
+                      <a:headEnd type="none" w="med" len="med"/>
+                      <a:tailEnd type="none" w="med" len="med"/>
+                    </a:lnL>
+                    <a:lnR w="12700" cap="flat" cmpd="sng" algn="ctr">
+                      <a:solidFill>
+                        <a:schemeClr val="tx1"/>
+                      </a:solidFill>
+                      <a:prstDash val="solid"/>
+                      <a:round/>
+                      <a:headEnd type="none" w="med" len="med"/>
+                      <a:tailEnd type="none" w="med" len="med"/>
+                    </a:lnR>
+                    <a:lnT w="12700" cap="flat" cmpd="sng" algn="ctr">
+                      <a:solidFill>
+                        <a:schemeClr val="tx1"/>
+                      </a:solidFill>
+                      <a:prstDash val="solid"/>
+                      <a:round/>
+                      <a:headEnd type="none" w="med" len="med"/>
+                      <a:tailEnd type="none" w="med" len="med"/>
+                    </a:lnT>
+                    <a:lnB w="12700" cap="flat" cmpd="sng" algn="ctr">
+                      <a:solidFill>
+                        <a:schemeClr val="tx1"/>
+                      </a:solidFill>
+                      <a:prstDash val="solid"/>
+                      <a:round/>
+                      <a:headEnd type="none" w="med" len="med"/>
+                      <a:tailEnd type="none" w="med" len="med"/>
+                    </a:lnB>
+                    <a:solidFill>
+                      <a:schemeClr val="bg1"/>
+                    </a:solidFill>
+                  </a:tcPr>
+                </a:tc>
+                <a:extLst>
+                  <a:ext uri="{0D108BD9-81ED-4DB2-BD59-A6C34878D82A}">
+                    <a16:rowId xmlns:a16="http://schemas.microsoft.com/office/drawing/2014/main" val="4033184119"/>
+                  </a:ext>
+                </a:extLst>
+              </a:tr>
+              <a:tr h="972108">
+                <a:tc>
+                  <a:txBody>
+                    <a:bodyPr/>
+                    <a:lstStyle/>
+                    <a:p>
+                      <a:pPr algn="ctr" latinLnBrk="1"/>
+                      <a:r>
+                        <a:rPr lang="en-US" altLang="ko-KR" dirty="0"/>
+                        <a:t>Operation()</a:t>
+                      </a:r>
+                      <a:endParaRPr lang="ko-KR" altLang="en-US" dirty="0"/>
+                    </a:p>
+                  </a:txBody>
+                  <a:tcPr anchor="ctr">
+                    <a:lnL w="12700" cap="flat" cmpd="sng" algn="ctr">
+                      <a:solidFill>
+                        <a:schemeClr val="tx1"/>
+                      </a:solidFill>
+                      <a:prstDash val="solid"/>
+                      <a:round/>
+                      <a:headEnd type="none" w="med" len="med"/>
+                      <a:tailEnd type="none" w="med" len="med"/>
+                    </a:lnL>
+                    <a:lnR w="12700" cap="flat" cmpd="sng" algn="ctr">
+                      <a:solidFill>
+                        <a:schemeClr val="tx1"/>
+                      </a:solidFill>
+                      <a:prstDash val="solid"/>
+                      <a:round/>
+                      <a:headEnd type="none" w="med" len="med"/>
+                      <a:tailEnd type="none" w="med" len="med"/>
+                    </a:lnR>
+                    <a:lnT w="12700" cap="flat" cmpd="sng" algn="ctr">
+                      <a:solidFill>
+                        <a:schemeClr val="tx1"/>
+                      </a:solidFill>
+                      <a:prstDash val="solid"/>
+                      <a:round/>
+                      <a:headEnd type="none" w="med" len="med"/>
+                      <a:tailEnd type="none" w="med" len="med"/>
+                    </a:lnT>
+                    <a:lnB w="12700" cap="flat" cmpd="sng" algn="ctr">
+                      <a:solidFill>
+                        <a:schemeClr val="tx1"/>
+                      </a:solidFill>
+                      <a:prstDash val="solid"/>
+                      <a:round/>
+                      <a:headEnd type="none" w="med" len="med"/>
+                      <a:tailEnd type="none" w="med" len="med"/>
+                    </a:lnB>
+                    <a:solidFill>
+                      <a:schemeClr val="bg1"/>
+                    </a:solidFill>
+                  </a:tcPr>
+                </a:tc>
+                <a:extLst>
+                  <a:ext uri="{0D108BD9-81ED-4DB2-BD59-A6C34878D82A}">
+                    <a16:rowId xmlns:a16="http://schemas.microsoft.com/office/drawing/2014/main" val="602478295"/>
+                  </a:ext>
+                </a:extLst>
+              </a:tr>
+            </a:tbl>
+          </a:graphicData>
+        </a:graphic>
+      </p:graphicFrame>
+      <p:sp>
+        <p:nvSpPr>
+          <p:cNvPr id="17" name="TextBox 16">
+            <a:extLst>
+              <a:ext uri="{FF2B5EF4-FFF2-40B4-BE49-F238E27FC236}">
+                <a16:creationId xmlns:a16="http://schemas.microsoft.com/office/drawing/2014/main" id="{90EE5794-17A2-4FF5-A4D5-C25441C749CA}"/>
+              </a:ext>
+            </a:extLst>
+          </p:cNvPr>
+          <p:cNvSpPr txBox="1"/>
+          <p:nvPr/>
+        </p:nvSpPr>
+        <p:spPr>
+          <a:xfrm>
+            <a:off x="9543126" y="3850824"/>
+            <a:ext cx="1242649" cy="584775"/>
+          </a:xfrm>
+          <a:prstGeom prst="rect">
+            <a:avLst/>
+          </a:prstGeom>
+          <a:noFill/>
+        </p:spPr>
+        <p:txBody>
+          <a:bodyPr wrap="none" rtlCol="0">
+            <a:spAutoFit/>
+          </a:bodyPr>
+          <a:lstStyle/>
+          <a:p>
+            <a:pPr algn="ctr"/>
+            <a:r>
+              <a:rPr lang="ko-KR" altLang="en-US" sz="3200" b="1" dirty="0">
+                <a:solidFill>
+                  <a:srgbClr val="C00000"/>
+                </a:solidFill>
+              </a:rPr>
+              <a:t>상태</a:t>
+            </a:r>
+            <a:r>
+              <a:rPr lang="en-US" altLang="ko-KR" sz="3200" b="1" dirty="0">
+                <a:solidFill>
+                  <a:srgbClr val="C00000"/>
+                </a:solidFill>
+              </a:rPr>
+              <a:t>2</a:t>
+            </a:r>
+            <a:endParaRPr lang="ko-KR" altLang="en-US" sz="3200" b="1" dirty="0">
+              <a:solidFill>
+                <a:srgbClr val="C00000"/>
+              </a:solidFill>
+            </a:endParaRPr>
+          </a:p>
+        </p:txBody>
+      </p:sp>
+      <p:cxnSp>
+        <p:nvCxnSpPr>
+          <p:cNvPr id="24" name="직선 화살표 연결선 23">
+            <a:extLst>
+              <a:ext uri="{FF2B5EF4-FFF2-40B4-BE49-F238E27FC236}">
+                <a16:creationId xmlns:a16="http://schemas.microsoft.com/office/drawing/2014/main" id="{9AA0C556-5A7E-4972-BBE3-35710247C2CF}"/>
+              </a:ext>
+            </a:extLst>
+          </p:cNvPr>
+          <p:cNvCxnSpPr>
+            <a:cxnSpLocks/>
+            <a:stCxn id="15" idx="0"/>
+            <a:endCxn id="9" idx="2"/>
+          </p:cNvCxnSpPr>
+          <p:nvPr/>
+        </p:nvCxnSpPr>
+        <p:spPr>
+          <a:xfrm rot="5400000" flipH="1" flipV="1">
+            <a:off x="6642742" y="2253758"/>
+            <a:ext cx="1429936" cy="1764197"/>
+          </a:xfrm>
+          <a:prstGeom prst="bentConnector3">
+            <a:avLst>
+              <a:gd name="adj1" fmla="val 50000"/>
+            </a:avLst>
+          </a:prstGeom>
+          <a:ln w="38100">
+            <a:prstDash val="dash"/>
+            <a:tailEnd type="triangle" w="lg" len="lg"/>
+          </a:ln>
+        </p:spPr>
+        <p:style>
+          <a:lnRef idx="1">
+            <a:schemeClr val="accent1"/>
+          </a:lnRef>
+          <a:fillRef idx="0">
+            <a:schemeClr val="accent1"/>
+          </a:fillRef>
+          <a:effectRef idx="0">
+            <a:schemeClr val="accent1"/>
+          </a:effectRef>
+          <a:fontRef idx="minor">
+            <a:schemeClr val="tx1"/>
+          </a:fontRef>
+        </p:style>
+      </p:cxnSp>
+      <p:cxnSp>
+        <p:nvCxnSpPr>
+          <p:cNvPr id="30" name="직선 화살표 연결선 23">
+            <a:extLst>
+              <a:ext uri="{FF2B5EF4-FFF2-40B4-BE49-F238E27FC236}">
+                <a16:creationId xmlns:a16="http://schemas.microsoft.com/office/drawing/2014/main" id="{1CEE3B9E-1875-477F-98BF-BE8904129CE0}"/>
+              </a:ext>
+            </a:extLst>
+          </p:cNvPr>
+          <p:cNvCxnSpPr>
+            <a:cxnSpLocks/>
+            <a:stCxn id="17" idx="0"/>
+            <a:endCxn id="9" idx="2"/>
+          </p:cNvCxnSpPr>
+          <p:nvPr/>
+        </p:nvCxnSpPr>
+        <p:spPr>
+          <a:xfrm rot="16200000" flipV="1">
+            <a:off x="8487162" y="2173535"/>
+            <a:ext cx="1429936" cy="1924642"/>
+          </a:xfrm>
+          <a:prstGeom prst="bentConnector3">
+            <a:avLst>
+              <a:gd name="adj1" fmla="val 50000"/>
+            </a:avLst>
+          </a:prstGeom>
+          <a:ln w="38100">
+            <a:prstDash val="dash"/>
+            <a:tailEnd type="triangle" w="lg" len="lg"/>
+          </a:ln>
+        </p:spPr>
+        <p:style>
+          <a:lnRef idx="1">
+            <a:schemeClr val="accent1"/>
+          </a:lnRef>
+          <a:fillRef idx="0">
+            <a:schemeClr val="accent1"/>
+          </a:fillRef>
+          <a:effectRef idx="0">
+            <a:schemeClr val="accent1"/>
+          </a:effectRef>
+          <a:fontRef idx="minor">
+            <a:schemeClr val="tx1"/>
+          </a:fontRef>
+        </p:style>
+      </p:cxnSp>
+      <p:sp>
+        <p:nvSpPr>
+          <p:cNvPr id="33" name="TextBox 32">
+            <a:extLst>
+              <a:ext uri="{FF2B5EF4-FFF2-40B4-BE49-F238E27FC236}">
+                <a16:creationId xmlns:a16="http://schemas.microsoft.com/office/drawing/2014/main" id="{BE38FCB0-9DD6-443F-AFAE-D5AF310174A2}"/>
+              </a:ext>
+            </a:extLst>
+          </p:cNvPr>
+          <p:cNvSpPr txBox="1"/>
+          <p:nvPr/>
+        </p:nvSpPr>
+        <p:spPr>
+          <a:xfrm>
+            <a:off x="4680535" y="1245462"/>
+            <a:ext cx="646331" cy="369332"/>
+          </a:xfrm>
+          <a:prstGeom prst="rect">
+            <a:avLst/>
+          </a:prstGeom>
+          <a:noFill/>
+        </p:spPr>
+        <p:txBody>
+          <a:bodyPr wrap="none" rtlCol="0">
+            <a:spAutoFit/>
+          </a:bodyPr>
+          <a:lstStyle/>
+          <a:p>
+            <a:pPr algn="ctr"/>
+            <a:r>
+              <a:rPr lang="ko-KR" altLang="en-US"/>
+              <a:t>의존</a:t>
+            </a:r>
+          </a:p>
+        </p:txBody>
+      </p:sp>
+      <p:sp>
+        <p:nvSpPr>
+          <p:cNvPr id="34" name="TextBox 33">
+            <a:extLst>
+              <a:ext uri="{FF2B5EF4-FFF2-40B4-BE49-F238E27FC236}">
+                <a16:creationId xmlns:a16="http://schemas.microsoft.com/office/drawing/2014/main" id="{D20B5F3F-0E37-416E-B10D-51DAF0BC32A4}"/>
+              </a:ext>
+            </a:extLst>
+          </p:cNvPr>
+          <p:cNvSpPr txBox="1"/>
+          <p:nvPr/>
+        </p:nvSpPr>
+        <p:spPr>
+          <a:xfrm>
+            <a:off x="7904140" y="3135856"/>
+            <a:ext cx="646331" cy="369332"/>
+          </a:xfrm>
+          <a:prstGeom prst="rect">
+            <a:avLst/>
+          </a:prstGeom>
+          <a:noFill/>
+        </p:spPr>
+        <p:txBody>
+          <a:bodyPr wrap="none" rtlCol="0">
+            <a:spAutoFit/>
+          </a:bodyPr>
+          <a:lstStyle/>
+          <a:p>
+            <a:pPr algn="ctr"/>
+            <a:r>
+              <a:rPr lang="ko-KR" altLang="en-US" dirty="0"/>
+              <a:t>상속</a:t>
+            </a:r>
+          </a:p>
+        </p:txBody>
+      </p:sp>
+    </p:spTree>
+    <p:extLst>
+      <p:ext uri="{BB962C8B-B14F-4D97-AF65-F5344CB8AC3E}">
+        <p14:creationId xmlns:p14="http://schemas.microsoft.com/office/powerpoint/2010/main" val="4144297328"/>
+      </p:ext>
+    </p:extLst>
+  </p:cSld>
+  <p:clrMapOvr>
+    <a:masterClrMapping/>
+  </p:clrMapOvr>
+</p:sld>
+</file>
+
 <file path=ppt/theme/theme1.xml><?xml version="1.0" encoding="utf-8"?>
 <a:theme xmlns:a="http://schemas.openxmlformats.org/drawingml/2006/main" name="Office 테마">
   <a:themeElements>

--- a/Images/이미지 그리기용 ppt.pptx
+++ b/Images/이미지 그리기용 ppt.pptx
@@ -10,6 +10,7 @@
     <p:sldId id="256" r:id="rId4"/>
     <p:sldId id="259" r:id="rId5"/>
     <p:sldId id="260" r:id="rId6"/>
+    <p:sldId id="261" r:id="rId7"/>
   </p:sldIdLst>
   <p:sldSz cx="12192000" cy="6858000"/>
   <p:notesSz cx="6858000" cy="9144000"/>
@@ -7209,6 +7210,882 @@
 </p:sld>
 </file>
 
+<file path=ppt/slides/slide6.xml><?xml version="1.0" encoding="utf-8"?>
+<p:sld xmlns:a="http://schemas.openxmlformats.org/drawingml/2006/main" xmlns:r="http://schemas.openxmlformats.org/officeDocument/2006/relationships" xmlns:p="http://schemas.openxmlformats.org/presentationml/2006/main">
+  <p:cSld>
+    <p:spTree>
+      <p:nvGrpSpPr>
+        <p:cNvPr id="1" name=""/>
+        <p:cNvGrpSpPr/>
+        <p:nvPr/>
+      </p:nvGrpSpPr>
+      <p:grpSpPr>
+        <a:xfrm>
+          <a:off x="0" y="0"/>
+          <a:ext cx="0" cy="0"/>
+          <a:chOff x="0" y="0"/>
+          <a:chExt cx="0" cy="0"/>
+        </a:xfrm>
+      </p:grpSpPr>
+      <p:graphicFrame>
+        <p:nvGraphicFramePr>
+          <p:cNvPr id="7" name="표 7">
+            <a:extLst>
+              <a:ext uri="{FF2B5EF4-FFF2-40B4-BE49-F238E27FC236}">
+                <a16:creationId xmlns:a16="http://schemas.microsoft.com/office/drawing/2014/main" id="{0696D7F7-B173-4894-AC97-58052E288526}"/>
+              </a:ext>
+            </a:extLst>
+          </p:cNvPr>
+          <p:cNvGraphicFramePr>
+            <a:graphicFrameLocks noGrp="1"/>
+          </p:cNvGraphicFramePr>
+          <p:nvPr>
+            <p:extLst>
+              <p:ext uri="{D42A27DB-BD31-4B8C-83A1-F6EECF244321}">
+                <p14:modId xmlns:p14="http://schemas.microsoft.com/office/powerpoint/2010/main" val="1115573996"/>
+              </p:ext>
+            </p:extLst>
+          </p:nvPr>
+        </p:nvGraphicFramePr>
+        <p:xfrm>
+          <a:off x="164737" y="5088251"/>
+          <a:ext cx="3528392" cy="1656184"/>
+        </p:xfrm>
+        <a:graphic>
+          <a:graphicData uri="http://schemas.openxmlformats.org/drawingml/2006/table">
+            <a:tbl>
+              <a:tblPr firstRow="1" bandRow="1">
+                <a:effectLst>
+                  <a:outerShdw blurRad="50800" dist="38100" dir="2700000" algn="tl" rotWithShape="0">
+                    <a:prstClr val="black">
+                      <a:alpha val="40000"/>
+                    </a:prstClr>
+                  </a:outerShdw>
+                </a:effectLst>
+                <a:tableStyleId>{F5AB1C69-6EDB-4FF4-983F-18BD219EF322}</a:tableStyleId>
+              </a:tblPr>
+              <a:tblGrid>
+                <a:gridCol w="3528392">
+                  <a:extLst>
+                    <a:ext uri="{9D8B030D-6E8A-4147-A177-3AD203B41FA5}">
+                      <a16:colId xmlns:a16="http://schemas.microsoft.com/office/drawing/2014/main" val="3811916345"/>
+                    </a:ext>
+                  </a:extLst>
+                </a:gridCol>
+              </a:tblGrid>
+              <a:tr h="657547">
+                <a:tc>
+                  <a:txBody>
+                    <a:bodyPr/>
+                    <a:lstStyle/>
+                    <a:p>
+                      <a:pPr algn="ctr" latinLnBrk="1"/>
+                      <a:r>
+                        <a:rPr lang="en-US" altLang="ko-KR" dirty="0">
+                          <a:solidFill>
+                            <a:schemeClr val="tx1"/>
+                          </a:solidFill>
+                        </a:rPr>
+                        <a:t>&lt;&lt;abstract&gt;&gt;</a:t>
+                      </a:r>
+                    </a:p>
+                    <a:p>
+                      <a:pPr algn="ctr" latinLnBrk="1"/>
+                      <a:r>
+                        <a:rPr lang="en-US" altLang="ko-KR" dirty="0" err="1">
+                          <a:solidFill>
+                            <a:schemeClr val="tx1"/>
+                          </a:solidFill>
+                        </a:rPr>
+                        <a:t>Prouct</a:t>
+                      </a:r>
+                      <a:endParaRPr lang="ko-KR" altLang="en-US" dirty="0">
+                        <a:solidFill>
+                          <a:schemeClr val="tx1"/>
+                        </a:solidFill>
+                      </a:endParaRPr>
+                    </a:p>
+                  </a:txBody>
+                  <a:tcPr anchor="ctr">
+                    <a:lnL w="12700" cap="flat" cmpd="sng" algn="ctr">
+                      <a:solidFill>
+                        <a:schemeClr val="tx1"/>
+                      </a:solidFill>
+                      <a:prstDash val="solid"/>
+                      <a:round/>
+                      <a:headEnd type="none" w="med" len="med"/>
+                      <a:tailEnd type="none" w="med" len="med"/>
+                    </a:lnL>
+                    <a:lnR w="12700" cap="flat" cmpd="sng" algn="ctr">
+                      <a:solidFill>
+                        <a:schemeClr val="tx1"/>
+                      </a:solidFill>
+                      <a:prstDash val="solid"/>
+                      <a:round/>
+                      <a:headEnd type="none" w="med" len="med"/>
+                      <a:tailEnd type="none" w="med" len="med"/>
+                    </a:lnR>
+                    <a:lnT w="12700" cap="flat" cmpd="sng" algn="ctr">
+                      <a:solidFill>
+                        <a:schemeClr val="tx1"/>
+                      </a:solidFill>
+                      <a:prstDash val="solid"/>
+                      <a:round/>
+                      <a:headEnd type="none" w="med" len="med"/>
+                      <a:tailEnd type="none" w="med" len="med"/>
+                    </a:lnT>
+                    <a:lnB w="12700" cap="flat" cmpd="sng" algn="ctr">
+                      <a:solidFill>
+                        <a:schemeClr val="tx1"/>
+                      </a:solidFill>
+                      <a:prstDash val="solid"/>
+                      <a:round/>
+                      <a:headEnd type="none" w="med" len="med"/>
+                      <a:tailEnd type="none" w="med" len="med"/>
+                    </a:lnB>
+                    <a:solidFill>
+                      <a:schemeClr val="bg1"/>
+                    </a:solidFill>
+                  </a:tcPr>
+                </a:tc>
+                <a:extLst>
+                  <a:ext uri="{0D108BD9-81ED-4DB2-BD59-A6C34878D82A}">
+                    <a16:rowId xmlns:a16="http://schemas.microsoft.com/office/drawing/2014/main" val="4033184119"/>
+                  </a:ext>
+                </a:extLst>
+              </a:tr>
+              <a:tr h="998637">
+                <a:tc>
+                  <a:txBody>
+                    <a:bodyPr/>
+                    <a:lstStyle/>
+                    <a:p>
+                      <a:pPr algn="ctr" latinLnBrk="1"/>
+                      <a:endParaRPr lang="ko-KR" altLang="en-US" dirty="0"/>
+                    </a:p>
+                  </a:txBody>
+                  <a:tcPr anchor="ctr">
+                    <a:lnL w="12700" cap="flat" cmpd="sng" algn="ctr">
+                      <a:solidFill>
+                        <a:schemeClr val="tx1"/>
+                      </a:solidFill>
+                      <a:prstDash val="solid"/>
+                      <a:round/>
+                      <a:headEnd type="none" w="med" len="med"/>
+                      <a:tailEnd type="none" w="med" len="med"/>
+                    </a:lnL>
+                    <a:lnR w="12700" cap="flat" cmpd="sng" algn="ctr">
+                      <a:solidFill>
+                        <a:schemeClr val="tx1"/>
+                      </a:solidFill>
+                      <a:prstDash val="solid"/>
+                      <a:round/>
+                      <a:headEnd type="none" w="med" len="med"/>
+                      <a:tailEnd type="none" w="med" len="med"/>
+                    </a:lnR>
+                    <a:lnT w="12700" cap="flat" cmpd="sng" algn="ctr">
+                      <a:solidFill>
+                        <a:schemeClr val="tx1"/>
+                      </a:solidFill>
+                      <a:prstDash val="solid"/>
+                      <a:round/>
+                      <a:headEnd type="none" w="med" len="med"/>
+                      <a:tailEnd type="none" w="med" len="med"/>
+                    </a:lnT>
+                    <a:lnB w="12700" cap="flat" cmpd="sng" algn="ctr">
+                      <a:solidFill>
+                        <a:schemeClr val="tx1"/>
+                      </a:solidFill>
+                      <a:prstDash val="solid"/>
+                      <a:round/>
+                      <a:headEnd type="none" w="med" len="med"/>
+                      <a:tailEnd type="none" w="med" len="med"/>
+                    </a:lnB>
+                    <a:solidFill>
+                      <a:schemeClr val="bg1"/>
+                    </a:solidFill>
+                  </a:tcPr>
+                </a:tc>
+                <a:extLst>
+                  <a:ext uri="{0D108BD9-81ED-4DB2-BD59-A6C34878D82A}">
+                    <a16:rowId xmlns:a16="http://schemas.microsoft.com/office/drawing/2014/main" val="602478295"/>
+                  </a:ext>
+                </a:extLst>
+              </a:tr>
+            </a:tbl>
+          </a:graphicData>
+        </a:graphic>
+      </p:graphicFrame>
+      <p:sp>
+        <p:nvSpPr>
+          <p:cNvPr id="8" name="TextBox 7">
+            <a:extLst>
+              <a:ext uri="{FF2B5EF4-FFF2-40B4-BE49-F238E27FC236}">
+                <a16:creationId xmlns:a16="http://schemas.microsoft.com/office/drawing/2014/main" id="{E1EBC2DE-DB1D-4982-9DC2-400B6108CB1C}"/>
+              </a:ext>
+            </a:extLst>
+          </p:cNvPr>
+          <p:cNvSpPr txBox="1"/>
+          <p:nvPr/>
+        </p:nvSpPr>
+        <p:spPr>
+          <a:xfrm>
+            <a:off x="868387" y="4503476"/>
+            <a:ext cx="2121094" cy="584775"/>
+          </a:xfrm>
+          <a:prstGeom prst="rect">
+            <a:avLst/>
+          </a:prstGeom>
+          <a:noFill/>
+        </p:spPr>
+        <p:txBody>
+          <a:bodyPr wrap="none" rtlCol="0">
+            <a:spAutoFit/>
+          </a:bodyPr>
+          <a:lstStyle/>
+          <a:p>
+            <a:pPr algn="ctr"/>
+            <a:r>
+              <a:rPr lang="ko-KR" altLang="en-US" sz="3200" b="1" dirty="0">
+                <a:solidFill>
+                  <a:srgbClr val="C00000"/>
+                </a:solidFill>
+              </a:rPr>
+              <a:t>제품</a:t>
+            </a:r>
+            <a:r>
+              <a:rPr lang="en-US" altLang="ko-KR" sz="3200" b="1" dirty="0">
+                <a:solidFill>
+                  <a:srgbClr val="C00000"/>
+                </a:solidFill>
+              </a:rPr>
+              <a:t>(</a:t>
+            </a:r>
+            <a:r>
+              <a:rPr lang="ko-KR" altLang="en-US" sz="3200" b="1" dirty="0">
+                <a:solidFill>
+                  <a:srgbClr val="C00000"/>
+                </a:solidFill>
+              </a:rPr>
+              <a:t>추상</a:t>
+            </a:r>
+            <a:r>
+              <a:rPr lang="en-US" altLang="ko-KR" sz="3200" b="1" dirty="0">
+                <a:solidFill>
+                  <a:srgbClr val="C00000"/>
+                </a:solidFill>
+              </a:rPr>
+              <a:t>)</a:t>
+            </a:r>
+            <a:endParaRPr lang="ko-KR" altLang="en-US" sz="3200" b="1" dirty="0">
+              <a:solidFill>
+                <a:srgbClr val="C00000"/>
+              </a:solidFill>
+            </a:endParaRPr>
+          </a:p>
+        </p:txBody>
+      </p:sp>
+      <p:cxnSp>
+        <p:nvCxnSpPr>
+          <p:cNvPr id="11" name="직선 화살표 연결선 10">
+            <a:extLst>
+              <a:ext uri="{FF2B5EF4-FFF2-40B4-BE49-F238E27FC236}">
+                <a16:creationId xmlns:a16="http://schemas.microsoft.com/office/drawing/2014/main" id="{7A740FCB-C8D2-4538-A3C1-24ADA4DF196F}"/>
+              </a:ext>
+            </a:extLst>
+          </p:cNvPr>
+          <p:cNvCxnSpPr>
+            <a:cxnSpLocks/>
+            <a:stCxn id="17" idx="0"/>
+            <a:endCxn id="18" idx="2"/>
+          </p:cNvCxnSpPr>
+          <p:nvPr/>
+        </p:nvCxnSpPr>
+        <p:spPr>
+          <a:xfrm flipH="1" flipV="1">
+            <a:off x="10236460" y="2348880"/>
+            <a:ext cx="26606" cy="2154596"/>
+          </a:xfrm>
+          <a:prstGeom prst="straightConnector1">
+            <a:avLst/>
+          </a:prstGeom>
+          <a:ln w="38100">
+            <a:prstDash val="dash"/>
+            <a:tailEnd type="triangle" w="lg" len="lg"/>
+          </a:ln>
+        </p:spPr>
+        <p:style>
+          <a:lnRef idx="1">
+            <a:schemeClr val="accent1"/>
+          </a:lnRef>
+          <a:fillRef idx="0">
+            <a:schemeClr val="accent1"/>
+          </a:fillRef>
+          <a:effectRef idx="0">
+            <a:schemeClr val="accent1"/>
+          </a:effectRef>
+          <a:fontRef idx="minor">
+            <a:schemeClr val="tx1"/>
+          </a:fontRef>
+        </p:style>
+      </p:cxnSp>
+      <p:graphicFrame>
+        <p:nvGraphicFramePr>
+          <p:cNvPr id="16" name="표 7">
+            <a:extLst>
+              <a:ext uri="{FF2B5EF4-FFF2-40B4-BE49-F238E27FC236}">
+                <a16:creationId xmlns:a16="http://schemas.microsoft.com/office/drawing/2014/main" id="{FAB93A50-C661-4675-8D74-E29B25876F9A}"/>
+              </a:ext>
+            </a:extLst>
+          </p:cNvPr>
+          <p:cNvGraphicFramePr>
+            <a:graphicFrameLocks noGrp="1"/>
+          </p:cNvGraphicFramePr>
+          <p:nvPr>
+            <p:extLst>
+              <p:ext uri="{D42A27DB-BD31-4B8C-83A1-F6EECF244321}">
+                <p14:modId xmlns:p14="http://schemas.microsoft.com/office/powerpoint/2010/main" val="1840302001"/>
+              </p:ext>
+            </p:extLst>
+          </p:nvPr>
+        </p:nvGraphicFramePr>
+        <p:xfrm>
+          <a:off x="8498870" y="5088251"/>
+          <a:ext cx="3528392" cy="1656184"/>
+        </p:xfrm>
+        <a:graphic>
+          <a:graphicData uri="http://schemas.openxmlformats.org/drawingml/2006/table">
+            <a:tbl>
+              <a:tblPr firstRow="1" bandRow="1">
+                <a:effectLst>
+                  <a:outerShdw blurRad="50800" dist="38100" dir="2700000" algn="tl" rotWithShape="0">
+                    <a:prstClr val="black">
+                      <a:alpha val="40000"/>
+                    </a:prstClr>
+                  </a:outerShdw>
+                </a:effectLst>
+                <a:tableStyleId>{F5AB1C69-6EDB-4FF4-983F-18BD219EF322}</a:tableStyleId>
+              </a:tblPr>
+              <a:tblGrid>
+                <a:gridCol w="3528392">
+                  <a:extLst>
+                    <a:ext uri="{9D8B030D-6E8A-4147-A177-3AD203B41FA5}">
+                      <a16:colId xmlns:a16="http://schemas.microsoft.com/office/drawing/2014/main" val="3811916345"/>
+                    </a:ext>
+                  </a:extLst>
+                </a:gridCol>
+              </a:tblGrid>
+              <a:tr h="657547">
+                <a:tc>
+                  <a:txBody>
+                    <a:bodyPr/>
+                    <a:lstStyle/>
+                    <a:p>
+                      <a:pPr algn="ctr" latinLnBrk="1"/>
+                      <a:endParaRPr lang="en-US" altLang="ko-KR" dirty="0">
+                        <a:solidFill>
+                          <a:schemeClr val="tx1"/>
+                        </a:solidFill>
+                      </a:endParaRPr>
+                    </a:p>
+                    <a:p>
+                      <a:pPr algn="ctr" latinLnBrk="1"/>
+                      <a:r>
+                        <a:rPr lang="en-US" altLang="ko-KR" dirty="0" err="1">
+                          <a:solidFill>
+                            <a:schemeClr val="tx1"/>
+                          </a:solidFill>
+                        </a:rPr>
+                        <a:t>ConcreteCreator</a:t>
+                      </a:r>
+                      <a:endParaRPr lang="ko-KR" altLang="en-US" dirty="0">
+                        <a:solidFill>
+                          <a:schemeClr val="tx1"/>
+                        </a:solidFill>
+                      </a:endParaRPr>
+                    </a:p>
+                  </a:txBody>
+                  <a:tcPr anchor="ctr">
+                    <a:lnL w="12700" cap="flat" cmpd="sng" algn="ctr">
+                      <a:solidFill>
+                        <a:schemeClr val="tx1"/>
+                      </a:solidFill>
+                      <a:prstDash val="solid"/>
+                      <a:round/>
+                      <a:headEnd type="none" w="med" len="med"/>
+                      <a:tailEnd type="none" w="med" len="med"/>
+                    </a:lnL>
+                    <a:lnR w="12700" cap="flat" cmpd="sng" algn="ctr">
+                      <a:solidFill>
+                        <a:schemeClr val="tx1"/>
+                      </a:solidFill>
+                      <a:prstDash val="solid"/>
+                      <a:round/>
+                      <a:headEnd type="none" w="med" len="med"/>
+                      <a:tailEnd type="none" w="med" len="med"/>
+                    </a:lnR>
+                    <a:lnT w="12700" cap="flat" cmpd="sng" algn="ctr">
+                      <a:solidFill>
+                        <a:schemeClr val="tx1"/>
+                      </a:solidFill>
+                      <a:prstDash val="solid"/>
+                      <a:round/>
+                      <a:headEnd type="none" w="med" len="med"/>
+                      <a:tailEnd type="none" w="med" len="med"/>
+                    </a:lnT>
+                    <a:lnB w="12700" cap="flat" cmpd="sng" algn="ctr">
+                      <a:solidFill>
+                        <a:schemeClr val="tx1"/>
+                      </a:solidFill>
+                      <a:prstDash val="solid"/>
+                      <a:round/>
+                      <a:headEnd type="none" w="med" len="med"/>
+                      <a:tailEnd type="none" w="med" len="med"/>
+                    </a:lnB>
+                    <a:solidFill>
+                      <a:schemeClr val="bg1"/>
+                    </a:solidFill>
+                  </a:tcPr>
+                </a:tc>
+                <a:extLst>
+                  <a:ext uri="{0D108BD9-81ED-4DB2-BD59-A6C34878D82A}">
+                    <a16:rowId xmlns:a16="http://schemas.microsoft.com/office/drawing/2014/main" val="4033184119"/>
+                  </a:ext>
+                </a:extLst>
+              </a:tr>
+              <a:tr h="998637">
+                <a:tc>
+                  <a:txBody>
+                    <a:bodyPr/>
+                    <a:lstStyle/>
+                    <a:p>
+                      <a:pPr algn="ctr" latinLnBrk="1"/>
+                      <a:r>
+                        <a:rPr lang="en-US" altLang="ko-KR" dirty="0" err="1"/>
+                        <a:t>FactoryMethod</a:t>
+                      </a:r>
+                      <a:r>
+                        <a:rPr lang="en-US" altLang="ko-KR" dirty="0"/>
+                        <a:t>() : Product</a:t>
+                      </a:r>
+                      <a:endParaRPr lang="ko-KR" altLang="en-US" dirty="0"/>
+                    </a:p>
+                  </a:txBody>
+                  <a:tcPr anchor="ctr">
+                    <a:lnL w="12700" cap="flat" cmpd="sng" algn="ctr">
+                      <a:solidFill>
+                        <a:schemeClr val="tx1"/>
+                      </a:solidFill>
+                      <a:prstDash val="solid"/>
+                      <a:round/>
+                      <a:headEnd type="none" w="med" len="med"/>
+                      <a:tailEnd type="none" w="med" len="med"/>
+                    </a:lnL>
+                    <a:lnR w="12700" cap="flat" cmpd="sng" algn="ctr">
+                      <a:solidFill>
+                        <a:schemeClr val="tx1"/>
+                      </a:solidFill>
+                      <a:prstDash val="solid"/>
+                      <a:round/>
+                      <a:headEnd type="none" w="med" len="med"/>
+                      <a:tailEnd type="none" w="med" len="med"/>
+                    </a:lnR>
+                    <a:lnT w="12700" cap="flat" cmpd="sng" algn="ctr">
+                      <a:solidFill>
+                        <a:schemeClr val="tx1"/>
+                      </a:solidFill>
+                      <a:prstDash val="solid"/>
+                      <a:round/>
+                      <a:headEnd type="none" w="med" len="med"/>
+                      <a:tailEnd type="none" w="med" len="med"/>
+                    </a:lnT>
+                    <a:lnB w="12700" cap="flat" cmpd="sng" algn="ctr">
+                      <a:solidFill>
+                        <a:schemeClr val="tx1"/>
+                      </a:solidFill>
+                      <a:prstDash val="solid"/>
+                      <a:round/>
+                      <a:headEnd type="none" w="med" len="med"/>
+                      <a:tailEnd type="none" w="med" len="med"/>
+                    </a:lnB>
+                    <a:solidFill>
+                      <a:schemeClr val="bg1"/>
+                    </a:solidFill>
+                  </a:tcPr>
+                </a:tc>
+                <a:extLst>
+                  <a:ext uri="{0D108BD9-81ED-4DB2-BD59-A6C34878D82A}">
+                    <a16:rowId xmlns:a16="http://schemas.microsoft.com/office/drawing/2014/main" val="602478295"/>
+                  </a:ext>
+                </a:extLst>
+              </a:tr>
+            </a:tbl>
+          </a:graphicData>
+        </a:graphic>
+      </p:graphicFrame>
+      <p:sp>
+        <p:nvSpPr>
+          <p:cNvPr id="17" name="TextBox 16">
+            <a:extLst>
+              <a:ext uri="{FF2B5EF4-FFF2-40B4-BE49-F238E27FC236}">
+                <a16:creationId xmlns:a16="http://schemas.microsoft.com/office/drawing/2014/main" id="{AE6AD0BB-BA59-4B8B-95E1-3A9DAD5A43FD}"/>
+              </a:ext>
+            </a:extLst>
+          </p:cNvPr>
+          <p:cNvSpPr txBox="1"/>
+          <p:nvPr/>
+        </p:nvSpPr>
+        <p:spPr>
+          <a:xfrm>
+            <a:off x="9760364" y="4503476"/>
+            <a:ext cx="1005403" cy="584775"/>
+          </a:xfrm>
+          <a:prstGeom prst="rect">
+            <a:avLst/>
+          </a:prstGeom>
+          <a:noFill/>
+        </p:spPr>
+        <p:txBody>
+          <a:bodyPr wrap="none" rtlCol="0">
+            <a:spAutoFit/>
+          </a:bodyPr>
+          <a:lstStyle/>
+          <a:p>
+            <a:pPr algn="ctr"/>
+            <a:r>
+              <a:rPr lang="ko-KR" altLang="en-US" sz="3200" b="1" dirty="0">
+                <a:solidFill>
+                  <a:srgbClr val="C00000"/>
+                </a:solidFill>
+              </a:rPr>
+              <a:t>공장</a:t>
+            </a:r>
+          </a:p>
+        </p:txBody>
+      </p:sp>
+      <p:graphicFrame>
+        <p:nvGraphicFramePr>
+          <p:cNvPr id="18" name="표 7">
+            <a:extLst>
+              <a:ext uri="{FF2B5EF4-FFF2-40B4-BE49-F238E27FC236}">
+                <a16:creationId xmlns:a16="http://schemas.microsoft.com/office/drawing/2014/main" id="{34AFFC86-E824-4210-BD97-3B19E0A387AA}"/>
+              </a:ext>
+            </a:extLst>
+          </p:cNvPr>
+          <p:cNvGraphicFramePr>
+            <a:graphicFrameLocks noGrp="1"/>
+          </p:cNvGraphicFramePr>
+          <p:nvPr>
+            <p:extLst>
+              <p:ext uri="{D42A27DB-BD31-4B8C-83A1-F6EECF244321}">
+                <p14:modId xmlns:p14="http://schemas.microsoft.com/office/powerpoint/2010/main" val="2807031939"/>
+              </p:ext>
+            </p:extLst>
+          </p:nvPr>
+        </p:nvGraphicFramePr>
+        <p:xfrm>
+          <a:off x="8472264" y="692696"/>
+          <a:ext cx="3528392" cy="1656184"/>
+        </p:xfrm>
+        <a:graphic>
+          <a:graphicData uri="http://schemas.openxmlformats.org/drawingml/2006/table">
+            <a:tbl>
+              <a:tblPr firstRow="1" bandRow="1">
+                <a:effectLst>
+                  <a:outerShdw blurRad="50800" dist="38100" dir="2700000" algn="tl" rotWithShape="0">
+                    <a:prstClr val="black">
+                      <a:alpha val="40000"/>
+                    </a:prstClr>
+                  </a:outerShdw>
+                </a:effectLst>
+                <a:tableStyleId>{F5AB1C69-6EDB-4FF4-983F-18BD219EF322}</a:tableStyleId>
+              </a:tblPr>
+              <a:tblGrid>
+                <a:gridCol w="3528392">
+                  <a:extLst>
+                    <a:ext uri="{9D8B030D-6E8A-4147-A177-3AD203B41FA5}">
+                      <a16:colId xmlns:a16="http://schemas.microsoft.com/office/drawing/2014/main" val="3811916345"/>
+                    </a:ext>
+                  </a:extLst>
+                </a:gridCol>
+              </a:tblGrid>
+              <a:tr h="657547">
+                <a:tc>
+                  <a:txBody>
+                    <a:bodyPr/>
+                    <a:lstStyle/>
+                    <a:p>
+                      <a:pPr algn="ctr" latinLnBrk="1"/>
+                      <a:r>
+                        <a:rPr lang="en-US" altLang="ko-KR" dirty="0">
+                          <a:solidFill>
+                            <a:schemeClr val="tx1"/>
+                          </a:solidFill>
+                        </a:rPr>
+                        <a:t>&lt;&lt;abstract&gt;&gt;</a:t>
+                      </a:r>
+                    </a:p>
+                    <a:p>
+                      <a:pPr algn="ctr" latinLnBrk="1"/>
+                      <a:r>
+                        <a:rPr lang="en-US" altLang="ko-KR" dirty="0">
+                          <a:solidFill>
+                            <a:schemeClr val="tx1"/>
+                          </a:solidFill>
+                        </a:rPr>
+                        <a:t>Creator</a:t>
+                      </a:r>
+                      <a:endParaRPr lang="ko-KR" altLang="en-US" dirty="0">
+                        <a:solidFill>
+                          <a:schemeClr val="tx1"/>
+                        </a:solidFill>
+                      </a:endParaRPr>
+                    </a:p>
+                  </a:txBody>
+                  <a:tcPr anchor="ctr">
+                    <a:lnL w="12700" cap="flat" cmpd="sng" algn="ctr">
+                      <a:solidFill>
+                        <a:schemeClr val="tx1"/>
+                      </a:solidFill>
+                      <a:prstDash val="solid"/>
+                      <a:round/>
+                      <a:headEnd type="none" w="med" len="med"/>
+                      <a:tailEnd type="none" w="med" len="med"/>
+                    </a:lnL>
+                    <a:lnR w="12700" cap="flat" cmpd="sng" algn="ctr">
+                      <a:solidFill>
+                        <a:schemeClr val="tx1"/>
+                      </a:solidFill>
+                      <a:prstDash val="solid"/>
+                      <a:round/>
+                      <a:headEnd type="none" w="med" len="med"/>
+                      <a:tailEnd type="none" w="med" len="med"/>
+                    </a:lnR>
+                    <a:lnT w="12700" cap="flat" cmpd="sng" algn="ctr">
+                      <a:solidFill>
+                        <a:schemeClr val="tx1"/>
+                      </a:solidFill>
+                      <a:prstDash val="solid"/>
+                      <a:round/>
+                      <a:headEnd type="none" w="med" len="med"/>
+                      <a:tailEnd type="none" w="med" len="med"/>
+                    </a:lnT>
+                    <a:lnB w="12700" cap="flat" cmpd="sng" algn="ctr">
+                      <a:solidFill>
+                        <a:schemeClr val="tx1"/>
+                      </a:solidFill>
+                      <a:prstDash val="solid"/>
+                      <a:round/>
+                      <a:headEnd type="none" w="med" len="med"/>
+                      <a:tailEnd type="none" w="med" len="med"/>
+                    </a:lnB>
+                    <a:solidFill>
+                      <a:schemeClr val="bg1"/>
+                    </a:solidFill>
+                  </a:tcPr>
+                </a:tc>
+                <a:extLst>
+                  <a:ext uri="{0D108BD9-81ED-4DB2-BD59-A6C34878D82A}">
+                    <a16:rowId xmlns:a16="http://schemas.microsoft.com/office/drawing/2014/main" val="4033184119"/>
+                  </a:ext>
+                </a:extLst>
+              </a:tr>
+              <a:tr h="998637">
+                <a:tc>
+                  <a:txBody>
+                    <a:bodyPr/>
+                    <a:lstStyle/>
+                    <a:p>
+                      <a:pPr algn="ctr" latinLnBrk="1"/>
+                      <a:r>
+                        <a:rPr lang="en-US" altLang="ko-KR" dirty="0" err="1"/>
+                        <a:t>FactoryMethod</a:t>
+                      </a:r>
+                      <a:r>
+                        <a:rPr lang="en-US" altLang="ko-KR" dirty="0"/>
+                        <a:t>() : Product</a:t>
+                      </a:r>
+                      <a:endParaRPr lang="ko-KR" altLang="en-US" dirty="0"/>
+                    </a:p>
+                  </a:txBody>
+                  <a:tcPr anchor="ctr">
+                    <a:lnL w="12700" cap="flat" cmpd="sng" algn="ctr">
+                      <a:solidFill>
+                        <a:schemeClr val="tx1"/>
+                      </a:solidFill>
+                      <a:prstDash val="solid"/>
+                      <a:round/>
+                      <a:headEnd type="none" w="med" len="med"/>
+                      <a:tailEnd type="none" w="med" len="med"/>
+                    </a:lnL>
+                    <a:lnR w="12700" cap="flat" cmpd="sng" algn="ctr">
+                      <a:solidFill>
+                        <a:schemeClr val="tx1"/>
+                      </a:solidFill>
+                      <a:prstDash val="solid"/>
+                      <a:round/>
+                      <a:headEnd type="none" w="med" len="med"/>
+                      <a:tailEnd type="none" w="med" len="med"/>
+                    </a:lnR>
+                    <a:lnT w="12700" cap="flat" cmpd="sng" algn="ctr">
+                      <a:solidFill>
+                        <a:schemeClr val="tx1"/>
+                      </a:solidFill>
+                      <a:prstDash val="solid"/>
+                      <a:round/>
+                      <a:headEnd type="none" w="med" len="med"/>
+                      <a:tailEnd type="none" w="med" len="med"/>
+                    </a:lnT>
+                    <a:lnB w="12700" cap="flat" cmpd="sng" algn="ctr">
+                      <a:solidFill>
+                        <a:schemeClr val="tx1"/>
+                      </a:solidFill>
+                      <a:prstDash val="solid"/>
+                      <a:round/>
+                      <a:headEnd type="none" w="med" len="med"/>
+                      <a:tailEnd type="none" w="med" len="med"/>
+                    </a:lnB>
+                    <a:solidFill>
+                      <a:schemeClr val="bg1"/>
+                    </a:solidFill>
+                  </a:tcPr>
+                </a:tc>
+                <a:extLst>
+                  <a:ext uri="{0D108BD9-81ED-4DB2-BD59-A6C34878D82A}">
+                    <a16:rowId xmlns:a16="http://schemas.microsoft.com/office/drawing/2014/main" val="602478295"/>
+                  </a:ext>
+                </a:extLst>
+              </a:tr>
+            </a:tbl>
+          </a:graphicData>
+        </a:graphic>
+      </p:graphicFrame>
+      <p:sp>
+        <p:nvSpPr>
+          <p:cNvPr id="19" name="TextBox 18">
+            <a:extLst>
+              <a:ext uri="{FF2B5EF4-FFF2-40B4-BE49-F238E27FC236}">
+                <a16:creationId xmlns:a16="http://schemas.microsoft.com/office/drawing/2014/main" id="{CB6F0A58-DB47-44C1-A4B4-E53EEF70B122}"/>
+              </a:ext>
+            </a:extLst>
+          </p:cNvPr>
+          <p:cNvSpPr txBox="1"/>
+          <p:nvPr/>
+        </p:nvSpPr>
+        <p:spPr>
+          <a:xfrm>
+            <a:off x="9175914" y="107921"/>
+            <a:ext cx="2121093" cy="584775"/>
+          </a:xfrm>
+          <a:prstGeom prst="rect">
+            <a:avLst/>
+          </a:prstGeom>
+          <a:noFill/>
+        </p:spPr>
+        <p:txBody>
+          <a:bodyPr wrap="none" rtlCol="0">
+            <a:spAutoFit/>
+          </a:bodyPr>
+          <a:lstStyle/>
+          <a:p>
+            <a:pPr algn="ctr"/>
+            <a:r>
+              <a:rPr lang="ko-KR" altLang="en-US" sz="3200" b="1" dirty="0">
+                <a:solidFill>
+                  <a:srgbClr val="C00000"/>
+                </a:solidFill>
+              </a:rPr>
+              <a:t>공장</a:t>
+            </a:r>
+            <a:r>
+              <a:rPr lang="en-US" altLang="ko-KR" sz="3200" b="1" dirty="0">
+                <a:solidFill>
+                  <a:srgbClr val="C00000"/>
+                </a:solidFill>
+              </a:rPr>
+              <a:t>(</a:t>
+            </a:r>
+            <a:r>
+              <a:rPr lang="ko-KR" altLang="en-US" sz="3200" b="1" dirty="0">
+                <a:solidFill>
+                  <a:srgbClr val="C00000"/>
+                </a:solidFill>
+              </a:rPr>
+              <a:t>추상</a:t>
+            </a:r>
+            <a:r>
+              <a:rPr lang="en-US" altLang="ko-KR" sz="3200" b="1" dirty="0">
+                <a:solidFill>
+                  <a:srgbClr val="C00000"/>
+                </a:solidFill>
+              </a:rPr>
+              <a:t>)</a:t>
+            </a:r>
+            <a:endParaRPr lang="ko-KR" altLang="en-US" sz="3200" b="1" dirty="0">
+              <a:solidFill>
+                <a:srgbClr val="C00000"/>
+              </a:solidFill>
+            </a:endParaRPr>
+          </a:p>
+        </p:txBody>
+      </p:sp>
+      <p:cxnSp>
+        <p:nvCxnSpPr>
+          <p:cNvPr id="10" name="직선 화살표 연결선 9">
+            <a:extLst>
+              <a:ext uri="{FF2B5EF4-FFF2-40B4-BE49-F238E27FC236}">
+                <a16:creationId xmlns:a16="http://schemas.microsoft.com/office/drawing/2014/main" id="{9E4B5144-8E34-4E9A-93C3-D8336E073990}"/>
+              </a:ext>
+            </a:extLst>
+          </p:cNvPr>
+          <p:cNvCxnSpPr>
+            <a:cxnSpLocks/>
+            <a:stCxn id="16" idx="1"/>
+            <a:endCxn id="7" idx="3"/>
+          </p:cNvCxnSpPr>
+          <p:nvPr/>
+        </p:nvCxnSpPr>
+        <p:spPr>
+          <a:xfrm flipH="1">
+            <a:off x="3693129" y="5916343"/>
+            <a:ext cx="4805741" cy="0"/>
+          </a:xfrm>
+          <a:prstGeom prst="straightConnector1">
+            <a:avLst/>
+          </a:prstGeom>
+          <a:ln w="38100">
+            <a:headEnd type="diamond" w="lg" len="lg"/>
+            <a:tailEnd type="arrow" w="lg" len="lg"/>
+          </a:ln>
+        </p:spPr>
+        <p:style>
+          <a:lnRef idx="1">
+            <a:schemeClr val="accent1"/>
+          </a:lnRef>
+          <a:fillRef idx="0">
+            <a:schemeClr val="accent1"/>
+          </a:fillRef>
+          <a:effectRef idx="0">
+            <a:schemeClr val="accent1"/>
+          </a:effectRef>
+          <a:fontRef idx="minor">
+            <a:schemeClr val="tx1"/>
+          </a:fontRef>
+        </p:style>
+      </p:cxnSp>
+    </p:spTree>
+    <p:extLst>
+      <p:ext uri="{BB962C8B-B14F-4D97-AF65-F5344CB8AC3E}">
+        <p14:creationId xmlns:p14="http://schemas.microsoft.com/office/powerpoint/2010/main" val="405939384"/>
+      </p:ext>
+    </p:extLst>
+  </p:cSld>
+  <p:clrMapOvr>
+    <a:masterClrMapping/>
+  </p:clrMapOvr>
+</p:sld>
+</file>
+
 <file path=ppt/theme/theme1.xml><?xml version="1.0" encoding="utf-8"?>
 <a:theme xmlns:a="http://schemas.openxmlformats.org/drawingml/2006/main" name="Office 테마">
   <a:themeElements>
